--- a/Statistiken/Wichtigste_Statistiken.pptx
+++ b/Statistiken/Wichtigste_Statistiken.pptx
@@ -7,21 +7,24 @@
   <p:sldIdLst>
     <p:sldId id="256" r:id="rId2"/>
     <p:sldId id="258" r:id="rId3"/>
-    <p:sldId id="261" r:id="rId4"/>
-    <p:sldId id="262" r:id="rId5"/>
-    <p:sldId id="263" r:id="rId6"/>
+    <p:sldId id="263" r:id="rId4"/>
+    <p:sldId id="261" r:id="rId5"/>
+    <p:sldId id="262" r:id="rId6"/>
     <p:sldId id="260" r:id="rId7"/>
     <p:sldId id="259" r:id="rId8"/>
-    <p:sldId id="264" r:id="rId9"/>
-    <p:sldId id="257" r:id="rId10"/>
-    <p:sldId id="270" r:id="rId11"/>
-    <p:sldId id="271" r:id="rId12"/>
-    <p:sldId id="272" r:id="rId13"/>
-    <p:sldId id="273" r:id="rId14"/>
-    <p:sldId id="274" r:id="rId15"/>
-    <p:sldId id="267" r:id="rId16"/>
-    <p:sldId id="268" r:id="rId17"/>
-    <p:sldId id="269" r:id="rId18"/>
+    <p:sldId id="276" r:id="rId9"/>
+    <p:sldId id="275" r:id="rId10"/>
+    <p:sldId id="264" r:id="rId11"/>
+    <p:sldId id="257" r:id="rId12"/>
+    <p:sldId id="277" r:id="rId13"/>
+    <p:sldId id="270" r:id="rId14"/>
+    <p:sldId id="271" r:id="rId15"/>
+    <p:sldId id="272" r:id="rId16"/>
+    <p:sldId id="273" r:id="rId17"/>
+    <p:sldId id="274" r:id="rId18"/>
+    <p:sldId id="267" r:id="rId19"/>
+    <p:sldId id="268" r:id="rId20"/>
+    <p:sldId id="269" r:id="rId21"/>
   </p:sldIdLst>
   <p:sldSz cx="12192000" cy="6858000"/>
   <p:notesSz cx="6858000" cy="9144000"/>
@@ -617,7 +620,7 @@
           <a:p>
             <a:fld id="{72345051-2045-45DA-935E-2E3CA1A69ADC}" type="datetimeFigureOut">
               <a:rPr lang="en-US" smtClean="0"/>
-              <a:t>4/9/2020</a:t>
+              <a:t>4/10/2020</a:t>
             </a:fld>
             <a:endParaRPr lang="en-US"/>
           </a:p>
@@ -815,7 +818,7 @@
           <a:p>
             <a:fld id="{72345051-2045-45DA-935E-2E3CA1A69ADC}" type="datetimeFigureOut">
               <a:rPr lang="en-US" smtClean="0"/>
-              <a:t>4/9/2020</a:t>
+              <a:t>4/10/2020</a:t>
             </a:fld>
             <a:endParaRPr lang="en-US"/>
           </a:p>
@@ -1023,7 +1026,7 @@
           <a:p>
             <a:fld id="{72345051-2045-45DA-935E-2E3CA1A69ADC}" type="datetimeFigureOut">
               <a:rPr lang="en-US" smtClean="0"/>
-              <a:t>4/9/2020</a:t>
+              <a:t>4/10/2020</a:t>
             </a:fld>
             <a:endParaRPr lang="en-US"/>
           </a:p>
@@ -1246,7 +1249,7 @@
           <a:p>
             <a:fld id="{72345051-2045-45DA-935E-2E3CA1A69ADC}" type="datetimeFigureOut">
               <a:rPr lang="en-US" smtClean="0"/>
-              <a:t>4/9/2020</a:t>
+              <a:t>4/10/2020</a:t>
             </a:fld>
             <a:endParaRPr lang="en-US"/>
           </a:p>
@@ -2157,7 +2160,7 @@
           <a:p>
             <a:fld id="{72345051-2045-45DA-935E-2E3CA1A69ADC}" type="datetimeFigureOut">
               <a:rPr lang="en-US" smtClean="0"/>
-              <a:t>4/9/2020</a:t>
+              <a:t>4/10/2020</a:t>
             </a:fld>
             <a:endParaRPr lang="en-US"/>
           </a:p>
@@ -2761,7 +2764,7 @@
           <a:p>
             <a:fld id="{72345051-2045-45DA-935E-2E3CA1A69ADC}" type="datetimeFigureOut">
               <a:rPr lang="en-US" smtClean="0"/>
-              <a:t>4/9/2020</a:t>
+              <a:t>4/10/2020</a:t>
             </a:fld>
             <a:endParaRPr lang="en-US"/>
           </a:p>
@@ -3810,7 +3813,7 @@
           <a:p>
             <a:fld id="{72345051-2045-45DA-935E-2E3CA1A69ADC}" type="datetimeFigureOut">
               <a:rPr lang="en-US" smtClean="0"/>
-              <a:t>4/9/2020</a:t>
+              <a:t>4/10/2020</a:t>
             </a:fld>
             <a:endParaRPr lang="en-US"/>
           </a:p>
@@ -4594,7 +4597,7 @@
           <a:p>
             <a:fld id="{72345051-2045-45DA-935E-2E3CA1A69ADC}" type="datetimeFigureOut">
               <a:rPr lang="en-US" smtClean="0"/>
-              <a:t>4/9/2020</a:t>
+              <a:t>4/10/2020</a:t>
             </a:fld>
             <a:endParaRPr lang="en-US"/>
           </a:p>
@@ -5043,7 +5046,7 @@
           <a:p>
             <a:fld id="{72345051-2045-45DA-935E-2E3CA1A69ADC}" type="datetimeFigureOut">
               <a:rPr lang="en-US" smtClean="0"/>
-              <a:t>4/9/2020</a:t>
+              <a:t>4/10/2020</a:t>
             </a:fld>
             <a:endParaRPr lang="en-US"/>
           </a:p>
@@ -5360,7 +5363,7 @@
           <a:p>
             <a:fld id="{72345051-2045-45DA-935E-2E3CA1A69ADC}" type="datetimeFigureOut">
               <a:rPr lang="en-US" smtClean="0"/>
-              <a:t>4/9/2020</a:t>
+              <a:t>4/10/2020</a:t>
             </a:fld>
             <a:endParaRPr lang="en-US"/>
           </a:p>
@@ -5988,7 +5991,7 @@
           <a:p>
             <a:fld id="{72345051-2045-45DA-935E-2E3CA1A69ADC}" type="datetimeFigureOut">
               <a:rPr lang="en-US" smtClean="0"/>
-              <a:t>4/9/2020</a:t>
+              <a:t>4/10/2020</a:t>
             </a:fld>
             <a:endParaRPr lang="en-US"/>
           </a:p>
@@ -6563,7 +6566,7 @@
           <a:p>
             <a:fld id="{72345051-2045-45DA-935E-2E3CA1A69ADC}" type="datetimeFigureOut">
               <a:rPr lang="en-US" smtClean="0"/>
-              <a:t>4/9/2020</a:t>
+              <a:t>4/10/2020</a:t>
             </a:fld>
             <a:endParaRPr lang="en-US"/>
           </a:p>
@@ -7865,10 +7868,10 @@
       </p:grpSpPr>
       <p:pic>
         <p:nvPicPr>
-          <p:cNvPr id="4" name="Grafik 3" descr="Ein Bild, das Screenshot enthält.&#10;&#10;Automatisch generierte Beschreibung">
+          <p:cNvPr id="3" name="Grafik 2" descr="Ein Bild, das Screenshot enthält.&#10;&#10;Automatisch generierte Beschreibung">
             <a:extLst>
               <a:ext uri="{FF2B5EF4-FFF2-40B4-BE49-F238E27FC236}">
-                <a16:creationId xmlns:a16="http://schemas.microsoft.com/office/drawing/2014/main" id="{6AEA96EE-17BA-4C64-AF99-87E6E695EE81}"/>
+                <a16:creationId xmlns:a16="http://schemas.microsoft.com/office/drawing/2014/main" id="{6FA021F9-1796-439E-92DE-57C7CFCC4B49}"/>
               </a:ext>
             </a:extLst>
           </p:cNvPr>
@@ -7885,13 +7888,13 @@
               </a:ext>
             </a:extLst>
           </a:blip>
-          <a:srcRect b="15185"/>
+          <a:srcRect b="11204"/>
           <a:stretch/>
         </p:blipFill>
         <p:spPr>
           <a:xfrm>
-            <a:off x="1480926" y="571500"/>
-            <a:ext cx="9230148" cy="5816600"/>
+            <a:off x="2405743" y="384175"/>
+            <a:ext cx="7837714" cy="6089650"/>
           </a:xfrm>
           <a:prstGeom prst="rect">
             <a:avLst/>
@@ -7901,7 +7904,7 @@
     </p:spTree>
     <p:extLst>
       <p:ext uri="{BB962C8B-B14F-4D97-AF65-F5344CB8AC3E}">
-        <p14:creationId xmlns:p14="http://schemas.microsoft.com/office/powerpoint/2010/main" val="3253054657"/>
+        <p14:creationId xmlns:p14="http://schemas.microsoft.com/office/powerpoint/2010/main" val="3134743577"/>
       </p:ext>
     </p:extLst>
   </p:cSld>
@@ -7930,10 +7933,10 @@
       </p:grpSpPr>
       <p:pic>
         <p:nvPicPr>
-          <p:cNvPr id="3" name="Grafik 2" descr="Ein Bild, das Screenshot enthält.&#10;&#10;Automatisch generierte Beschreibung">
+          <p:cNvPr id="5" name="Grafik 4" descr="Ein Bild, das Screenshot enthält.&#10;&#10;Automatisch generierte Beschreibung">
             <a:extLst>
               <a:ext uri="{FF2B5EF4-FFF2-40B4-BE49-F238E27FC236}">
-                <a16:creationId xmlns:a16="http://schemas.microsoft.com/office/drawing/2014/main" id="{C686280E-4D0F-43D4-B2C9-105791C8FFE1}"/>
+                <a16:creationId xmlns:a16="http://schemas.microsoft.com/office/drawing/2014/main" id="{E16F34E6-4AA7-4292-8935-CA136C2D6FC3}"/>
               </a:ext>
             </a:extLst>
           </p:cNvPr>
@@ -7950,23 +7953,75 @@
               </a:ext>
             </a:extLst>
           </a:blip>
-          <a:srcRect b="13611"/>
+          <a:srcRect b="10657"/>
           <a:stretch/>
         </p:blipFill>
         <p:spPr>
           <a:xfrm>
-            <a:off x="1480926" y="466725"/>
-            <a:ext cx="9230148" cy="5924550"/>
+            <a:off x="2595737" y="368299"/>
+            <a:ext cx="7000526" cy="5973045"/>
           </a:xfrm>
           <a:prstGeom prst="rect">
             <a:avLst/>
           </a:prstGeom>
         </p:spPr>
       </p:pic>
+      <p:sp>
+        <p:nvSpPr>
+          <p:cNvPr id="3" name="Stern: 5 Zacken 2">
+            <a:extLst>
+              <a:ext uri="{FF2B5EF4-FFF2-40B4-BE49-F238E27FC236}">
+                <a16:creationId xmlns:a16="http://schemas.microsoft.com/office/drawing/2014/main" id="{4ECE6B51-C32B-4CBA-8882-A7D91E5C78A4}"/>
+              </a:ext>
+            </a:extLst>
+          </p:cNvPr>
+          <p:cNvSpPr/>
+          <p:nvPr/>
+        </p:nvSpPr>
+        <p:spPr>
+          <a:xfrm>
+            <a:off x="146050" y="228600"/>
+            <a:ext cx="996950" cy="996950"/>
+          </a:xfrm>
+          <a:prstGeom prst="star5">
+            <a:avLst/>
+          </a:prstGeom>
+          <a:solidFill>
+            <a:srgbClr val="FFC000"/>
+          </a:solidFill>
+          <a:ln>
+            <a:noFill/>
+          </a:ln>
+        </p:spPr>
+        <p:style>
+          <a:lnRef idx="2">
+            <a:schemeClr val="accent1">
+              <a:shade val="50000"/>
+            </a:schemeClr>
+          </a:lnRef>
+          <a:fillRef idx="1">
+            <a:schemeClr val="accent1"/>
+          </a:fillRef>
+          <a:effectRef idx="0">
+            <a:schemeClr val="accent1"/>
+          </a:effectRef>
+          <a:fontRef idx="minor">
+            <a:schemeClr val="lt1"/>
+          </a:fontRef>
+        </p:style>
+        <p:txBody>
+          <a:bodyPr rtlCol="0" anchor="ctr"/>
+          <a:lstStyle/>
+          <a:p>
+            <a:pPr algn="ctr"/>
+            <a:endParaRPr lang="de-DE" dirty="0"/>
+          </a:p>
+        </p:txBody>
+      </p:sp>
     </p:spTree>
     <p:extLst>
       <p:ext uri="{BB962C8B-B14F-4D97-AF65-F5344CB8AC3E}">
-        <p14:creationId xmlns:p14="http://schemas.microsoft.com/office/powerpoint/2010/main" val="761181059"/>
+        <p14:creationId xmlns:p14="http://schemas.microsoft.com/office/powerpoint/2010/main" val="2916382050"/>
       </p:ext>
     </p:extLst>
   </p:cSld>
@@ -7995,10 +8050,10 @@
       </p:grpSpPr>
       <p:pic>
         <p:nvPicPr>
-          <p:cNvPr id="3" name="Grafik 2" descr="Ein Bild, das Screenshot enthält.&#10;&#10;Automatisch generierte Beschreibung">
+          <p:cNvPr id="4" name="Grafik 3" descr="Ein Bild, das Screenshot enthält.&#10;&#10;Automatisch generierte Beschreibung">
             <a:extLst>
               <a:ext uri="{FF2B5EF4-FFF2-40B4-BE49-F238E27FC236}">
-                <a16:creationId xmlns:a16="http://schemas.microsoft.com/office/drawing/2014/main" id="{B1786847-EC16-4C8A-903D-FDCD4F9E9884}"/>
+                <a16:creationId xmlns:a16="http://schemas.microsoft.com/office/drawing/2014/main" id="{DD4C04B9-5984-4211-AB76-0ED6228A7C69}"/>
               </a:ext>
             </a:extLst>
           </p:cNvPr>
@@ -8015,23 +8070,75 @@
               </a:ext>
             </a:extLst>
           </a:blip>
-          <a:srcRect b="16574"/>
+          <a:srcRect b="14259"/>
           <a:stretch/>
         </p:blipFill>
         <p:spPr>
           <a:xfrm>
-            <a:off x="1582526" y="692150"/>
-            <a:ext cx="9230148" cy="5721350"/>
+            <a:off x="1480926" y="419100"/>
+            <a:ext cx="9230148" cy="5880100"/>
           </a:xfrm>
           <a:prstGeom prst="rect">
             <a:avLst/>
           </a:prstGeom>
         </p:spPr>
       </p:pic>
+      <p:sp>
+        <p:nvSpPr>
+          <p:cNvPr id="5" name="Stern: 5 Zacken 4">
+            <a:extLst>
+              <a:ext uri="{FF2B5EF4-FFF2-40B4-BE49-F238E27FC236}">
+                <a16:creationId xmlns:a16="http://schemas.microsoft.com/office/drawing/2014/main" id="{0312E37C-4657-48C0-BF2B-4E95C7C5B69B}"/>
+              </a:ext>
+            </a:extLst>
+          </p:cNvPr>
+          <p:cNvSpPr/>
+          <p:nvPr/>
+        </p:nvSpPr>
+        <p:spPr>
+          <a:xfrm>
+            <a:off x="146050" y="228600"/>
+            <a:ext cx="996950" cy="996950"/>
+          </a:xfrm>
+          <a:prstGeom prst="star5">
+            <a:avLst/>
+          </a:prstGeom>
+          <a:solidFill>
+            <a:srgbClr val="FFC000"/>
+          </a:solidFill>
+          <a:ln>
+            <a:noFill/>
+          </a:ln>
+        </p:spPr>
+        <p:style>
+          <a:lnRef idx="2">
+            <a:schemeClr val="accent1">
+              <a:shade val="50000"/>
+            </a:schemeClr>
+          </a:lnRef>
+          <a:fillRef idx="1">
+            <a:schemeClr val="accent1"/>
+          </a:fillRef>
+          <a:effectRef idx="0">
+            <a:schemeClr val="accent1"/>
+          </a:effectRef>
+          <a:fontRef idx="minor">
+            <a:schemeClr val="lt1"/>
+          </a:fontRef>
+        </p:style>
+        <p:txBody>
+          <a:bodyPr rtlCol="0" anchor="ctr"/>
+          <a:lstStyle/>
+          <a:p>
+            <a:pPr algn="ctr"/>
+            <a:endParaRPr lang="de-DE" dirty="0"/>
+          </a:p>
+        </p:txBody>
+      </p:sp>
     </p:spTree>
     <p:extLst>
       <p:ext uri="{BB962C8B-B14F-4D97-AF65-F5344CB8AC3E}">
-        <p14:creationId xmlns:p14="http://schemas.microsoft.com/office/powerpoint/2010/main" val="1892742902"/>
+        <p14:creationId xmlns:p14="http://schemas.microsoft.com/office/powerpoint/2010/main" val="3658846332"/>
       </p:ext>
     </p:extLst>
   </p:cSld>
@@ -8060,6 +8167,201 @@
       </p:grpSpPr>
       <p:pic>
         <p:nvPicPr>
+          <p:cNvPr id="4" name="Grafik 3" descr="Ein Bild, das Screenshot enthält.&#10;&#10;Automatisch generierte Beschreibung">
+            <a:extLst>
+              <a:ext uri="{FF2B5EF4-FFF2-40B4-BE49-F238E27FC236}">
+                <a16:creationId xmlns:a16="http://schemas.microsoft.com/office/drawing/2014/main" id="{6AEA96EE-17BA-4C64-AF99-87E6E695EE81}"/>
+              </a:ext>
+            </a:extLst>
+          </p:cNvPr>
+          <p:cNvPicPr>
+            <a:picLocks noChangeAspect="1"/>
+          </p:cNvPicPr>
+          <p:nvPr/>
+        </p:nvPicPr>
+        <p:blipFill rotWithShape="1">
+          <a:blip r:embed="rId2">
+            <a:extLst>
+              <a:ext uri="{28A0092B-C50C-407E-A947-70E740481C1C}">
+                <a14:useLocalDpi xmlns:a14="http://schemas.microsoft.com/office/drawing/2010/main" val="0"/>
+              </a:ext>
+            </a:extLst>
+          </a:blip>
+          <a:srcRect b="15185"/>
+          <a:stretch/>
+        </p:blipFill>
+        <p:spPr>
+          <a:xfrm>
+            <a:off x="1480926" y="571500"/>
+            <a:ext cx="9230148" cy="5816600"/>
+          </a:xfrm>
+          <a:prstGeom prst="rect">
+            <a:avLst/>
+          </a:prstGeom>
+        </p:spPr>
+      </p:pic>
+    </p:spTree>
+    <p:extLst>
+      <p:ext uri="{BB962C8B-B14F-4D97-AF65-F5344CB8AC3E}">
+        <p14:creationId xmlns:p14="http://schemas.microsoft.com/office/powerpoint/2010/main" val="3253054657"/>
+      </p:ext>
+    </p:extLst>
+  </p:cSld>
+  <p:clrMapOvr>
+    <a:masterClrMapping/>
+  </p:clrMapOvr>
+</p:sld>
+</file>
+
+<file path=ppt/slides/slide14.xml><?xml version="1.0" encoding="utf-8"?>
+<p:sld xmlns:a="http://schemas.openxmlformats.org/drawingml/2006/main" xmlns:r="http://schemas.openxmlformats.org/officeDocument/2006/relationships" xmlns:p="http://schemas.openxmlformats.org/presentationml/2006/main">
+  <p:cSld>
+    <p:spTree>
+      <p:nvGrpSpPr>
+        <p:cNvPr id="1" name=""/>
+        <p:cNvGrpSpPr/>
+        <p:nvPr/>
+      </p:nvGrpSpPr>
+      <p:grpSpPr>
+        <a:xfrm>
+          <a:off x="0" y="0"/>
+          <a:ext cx="0" cy="0"/>
+          <a:chOff x="0" y="0"/>
+          <a:chExt cx="0" cy="0"/>
+        </a:xfrm>
+      </p:grpSpPr>
+      <p:pic>
+        <p:nvPicPr>
+          <p:cNvPr id="3" name="Grafik 2" descr="Ein Bild, das Screenshot enthält.&#10;&#10;Automatisch generierte Beschreibung">
+            <a:extLst>
+              <a:ext uri="{FF2B5EF4-FFF2-40B4-BE49-F238E27FC236}">
+                <a16:creationId xmlns:a16="http://schemas.microsoft.com/office/drawing/2014/main" id="{C686280E-4D0F-43D4-B2C9-105791C8FFE1}"/>
+              </a:ext>
+            </a:extLst>
+          </p:cNvPr>
+          <p:cNvPicPr>
+            <a:picLocks noChangeAspect="1"/>
+          </p:cNvPicPr>
+          <p:nvPr/>
+        </p:nvPicPr>
+        <p:blipFill rotWithShape="1">
+          <a:blip r:embed="rId2">
+            <a:extLst>
+              <a:ext uri="{28A0092B-C50C-407E-A947-70E740481C1C}">
+                <a14:useLocalDpi xmlns:a14="http://schemas.microsoft.com/office/drawing/2010/main" val="0"/>
+              </a:ext>
+            </a:extLst>
+          </a:blip>
+          <a:srcRect b="13611"/>
+          <a:stretch/>
+        </p:blipFill>
+        <p:spPr>
+          <a:xfrm>
+            <a:off x="1480926" y="466725"/>
+            <a:ext cx="9230148" cy="5924550"/>
+          </a:xfrm>
+          <a:prstGeom prst="rect">
+            <a:avLst/>
+          </a:prstGeom>
+        </p:spPr>
+      </p:pic>
+    </p:spTree>
+    <p:extLst>
+      <p:ext uri="{BB962C8B-B14F-4D97-AF65-F5344CB8AC3E}">
+        <p14:creationId xmlns:p14="http://schemas.microsoft.com/office/powerpoint/2010/main" val="761181059"/>
+      </p:ext>
+    </p:extLst>
+  </p:cSld>
+  <p:clrMapOvr>
+    <a:masterClrMapping/>
+  </p:clrMapOvr>
+</p:sld>
+</file>
+
+<file path=ppt/slides/slide15.xml><?xml version="1.0" encoding="utf-8"?>
+<p:sld xmlns:a="http://schemas.openxmlformats.org/drawingml/2006/main" xmlns:r="http://schemas.openxmlformats.org/officeDocument/2006/relationships" xmlns:p="http://schemas.openxmlformats.org/presentationml/2006/main">
+  <p:cSld>
+    <p:spTree>
+      <p:nvGrpSpPr>
+        <p:cNvPr id="1" name=""/>
+        <p:cNvGrpSpPr/>
+        <p:nvPr/>
+      </p:nvGrpSpPr>
+      <p:grpSpPr>
+        <a:xfrm>
+          <a:off x="0" y="0"/>
+          <a:ext cx="0" cy="0"/>
+          <a:chOff x="0" y="0"/>
+          <a:chExt cx="0" cy="0"/>
+        </a:xfrm>
+      </p:grpSpPr>
+      <p:pic>
+        <p:nvPicPr>
+          <p:cNvPr id="3" name="Grafik 2" descr="Ein Bild, das Screenshot enthält.&#10;&#10;Automatisch generierte Beschreibung">
+            <a:extLst>
+              <a:ext uri="{FF2B5EF4-FFF2-40B4-BE49-F238E27FC236}">
+                <a16:creationId xmlns:a16="http://schemas.microsoft.com/office/drawing/2014/main" id="{B1786847-EC16-4C8A-903D-FDCD4F9E9884}"/>
+              </a:ext>
+            </a:extLst>
+          </p:cNvPr>
+          <p:cNvPicPr>
+            <a:picLocks noChangeAspect="1"/>
+          </p:cNvPicPr>
+          <p:nvPr/>
+        </p:nvPicPr>
+        <p:blipFill rotWithShape="1">
+          <a:blip r:embed="rId2">
+            <a:extLst>
+              <a:ext uri="{28A0092B-C50C-407E-A947-70E740481C1C}">
+                <a14:useLocalDpi xmlns:a14="http://schemas.microsoft.com/office/drawing/2010/main" val="0"/>
+              </a:ext>
+            </a:extLst>
+          </a:blip>
+          <a:srcRect b="16574"/>
+          <a:stretch/>
+        </p:blipFill>
+        <p:spPr>
+          <a:xfrm>
+            <a:off x="1582526" y="692150"/>
+            <a:ext cx="9230148" cy="5721350"/>
+          </a:xfrm>
+          <a:prstGeom prst="rect">
+            <a:avLst/>
+          </a:prstGeom>
+        </p:spPr>
+      </p:pic>
+    </p:spTree>
+    <p:extLst>
+      <p:ext uri="{BB962C8B-B14F-4D97-AF65-F5344CB8AC3E}">
+        <p14:creationId xmlns:p14="http://schemas.microsoft.com/office/powerpoint/2010/main" val="1892742902"/>
+      </p:ext>
+    </p:extLst>
+  </p:cSld>
+  <p:clrMapOvr>
+    <a:masterClrMapping/>
+  </p:clrMapOvr>
+</p:sld>
+</file>
+
+<file path=ppt/slides/slide16.xml><?xml version="1.0" encoding="utf-8"?>
+<p:sld xmlns:a="http://schemas.openxmlformats.org/drawingml/2006/main" xmlns:r="http://schemas.openxmlformats.org/officeDocument/2006/relationships" xmlns:p="http://schemas.openxmlformats.org/presentationml/2006/main">
+  <p:cSld>
+    <p:spTree>
+      <p:nvGrpSpPr>
+        <p:cNvPr id="1" name=""/>
+        <p:cNvGrpSpPr/>
+        <p:nvPr/>
+      </p:nvGrpSpPr>
+      <p:grpSpPr>
+        <a:xfrm>
+          <a:off x="0" y="0"/>
+          <a:ext cx="0" cy="0"/>
+          <a:chOff x="0" y="0"/>
+          <a:chExt cx="0" cy="0"/>
+        </a:xfrm>
+      </p:grpSpPr>
+      <p:pic>
+        <p:nvPicPr>
           <p:cNvPr id="3" name="Grafik 2" descr="Ein Bild, das Screenshot enthält.&#10;&#10;Automatisch generierte Beschreibung">
             <a:extLst>
               <a:ext uri="{FF2B5EF4-FFF2-40B4-BE49-F238E27FC236}">
@@ -8106,7 +8408,7 @@
 </p:sld>
 </file>
 
-<file path=ppt/slides/slide14.xml><?xml version="1.0" encoding="utf-8"?>
+<file path=ppt/slides/slide17.xml><?xml version="1.0" encoding="utf-8"?>
 <p:sld xmlns:a="http://schemas.openxmlformats.org/drawingml/2006/main" xmlns:r="http://schemas.openxmlformats.org/officeDocument/2006/relationships" xmlns:p="http://schemas.openxmlformats.org/presentationml/2006/main">
   <p:cSld>
     <p:bg>
@@ -8989,7 +9291,7 @@
 </p:sld>
 </file>
 
-<file path=ppt/slides/slide15.xml><?xml version="1.0" encoding="utf-8"?>
+<file path=ppt/slides/slide18.xml><?xml version="1.0" encoding="utf-8"?>
 <p:sld xmlns:a="http://schemas.openxmlformats.org/drawingml/2006/main" xmlns:r="http://schemas.openxmlformats.org/officeDocument/2006/relationships" xmlns:p="http://schemas.openxmlformats.org/presentationml/2006/main">
   <p:cSld>
     <p:spTree>
@@ -9054,7 +9356,7 @@
 </p:sld>
 </file>
 
-<file path=ppt/slides/slide16.xml><?xml version="1.0" encoding="utf-8"?>
+<file path=ppt/slides/slide19.xml><?xml version="1.0" encoding="utf-8"?>
 <p:sld xmlns:a="http://schemas.openxmlformats.org/drawingml/2006/main" xmlns:r="http://schemas.openxmlformats.org/officeDocument/2006/relationships" xmlns:p="http://schemas.openxmlformats.org/presentationml/2006/main">
   <p:cSld>
     <p:spTree>
@@ -9110,73 +9412,6 @@
     <p:extLst>
       <p:ext uri="{BB962C8B-B14F-4D97-AF65-F5344CB8AC3E}">
         <p14:creationId xmlns:p14="http://schemas.microsoft.com/office/powerpoint/2010/main" val="3025820164"/>
-      </p:ext>
-    </p:extLst>
-  </p:cSld>
-  <p:clrMapOvr>
-    <a:masterClrMapping/>
-  </p:clrMapOvr>
-</p:sld>
-</file>
-
-<file path=ppt/slides/slide17.xml><?xml version="1.0" encoding="utf-8"?>
-<p:sld xmlns:a="http://schemas.openxmlformats.org/drawingml/2006/main" xmlns:r="http://schemas.openxmlformats.org/officeDocument/2006/relationships" xmlns:p="http://schemas.openxmlformats.org/presentationml/2006/main">
-  <p:cSld>
-    <p:spTree>
-      <p:nvGrpSpPr>
-        <p:cNvPr id="1" name=""/>
-        <p:cNvGrpSpPr/>
-        <p:nvPr/>
-      </p:nvGrpSpPr>
-      <p:grpSpPr>
-        <a:xfrm>
-          <a:off x="0" y="0"/>
-          <a:ext cx="0" cy="0"/>
-          <a:chOff x="0" y="0"/>
-          <a:chExt cx="0" cy="0"/>
-        </a:xfrm>
-      </p:grpSpPr>
-      <p:sp>
-        <p:nvSpPr>
-          <p:cNvPr id="2" name="Rechteck 1">
-            <a:extLst>
-              <a:ext uri="{FF2B5EF4-FFF2-40B4-BE49-F238E27FC236}">
-                <a16:creationId xmlns:a16="http://schemas.microsoft.com/office/drawing/2014/main" id="{E858486D-F2CE-40F0-840A-89BC79758BB2}"/>
-              </a:ext>
-            </a:extLst>
-          </p:cNvPr>
-          <p:cNvSpPr/>
-          <p:nvPr/>
-        </p:nvSpPr>
-        <p:spPr>
-          <a:xfrm>
-            <a:off x="3896776" y="3244334"/>
-            <a:ext cx="4398448" cy="369332"/>
-          </a:xfrm>
-          <a:prstGeom prst="rect">
-            <a:avLst/>
-          </a:prstGeom>
-        </p:spPr>
-        <p:txBody>
-          <a:bodyPr wrap="none">
-            <a:spAutoFit/>
-          </a:bodyPr>
-          <a:lstStyle/>
-          <a:p>
-            <a:r>
-              <a:rPr lang="de-DE" dirty="0">
-                <a:hlinkClick r:id="rId2"/>
-              </a:rPr>
-              <a:t>https://www.fingent.com/blog/top-technologies-used-to-develop-mobile-app</a:t>
-            </a:r>
-            <a:endParaRPr lang="de-DE" dirty="0"/>
-          </a:p>
-        </p:txBody>
-      </p:sp>
-    </p:spTree>
-    <p:extLst>
-      <p:ext uri="{BB962C8B-B14F-4D97-AF65-F5344CB8AC3E}">
-        <p14:creationId xmlns:p14="http://schemas.microsoft.com/office/powerpoint/2010/main" val="1583026601"/>
       </p:ext>
     </p:extLst>
   </p:cSld>
@@ -9238,10 +9473,129 @@
           </a:prstGeom>
         </p:spPr>
       </p:pic>
+      <p:sp>
+        <p:nvSpPr>
+          <p:cNvPr id="4" name="Stern: 5 Zacken 3">
+            <a:extLst>
+              <a:ext uri="{FF2B5EF4-FFF2-40B4-BE49-F238E27FC236}">
+                <a16:creationId xmlns:a16="http://schemas.microsoft.com/office/drawing/2014/main" id="{22396BB0-FDA7-4F7E-8436-4EBBFE3ADBD3}"/>
+              </a:ext>
+            </a:extLst>
+          </p:cNvPr>
+          <p:cNvSpPr/>
+          <p:nvPr/>
+        </p:nvSpPr>
+        <p:spPr>
+          <a:xfrm>
+            <a:off x="146050" y="228600"/>
+            <a:ext cx="996950" cy="996950"/>
+          </a:xfrm>
+          <a:prstGeom prst="star5">
+            <a:avLst/>
+          </a:prstGeom>
+          <a:solidFill>
+            <a:srgbClr val="FFC000"/>
+          </a:solidFill>
+          <a:ln>
+            <a:noFill/>
+          </a:ln>
+        </p:spPr>
+        <p:style>
+          <a:lnRef idx="2">
+            <a:schemeClr val="accent1">
+              <a:shade val="50000"/>
+            </a:schemeClr>
+          </a:lnRef>
+          <a:fillRef idx="1">
+            <a:schemeClr val="accent1"/>
+          </a:fillRef>
+          <a:effectRef idx="0">
+            <a:schemeClr val="accent1"/>
+          </a:effectRef>
+          <a:fontRef idx="minor">
+            <a:schemeClr val="lt1"/>
+          </a:fontRef>
+        </p:style>
+        <p:txBody>
+          <a:bodyPr rtlCol="0" anchor="ctr"/>
+          <a:lstStyle/>
+          <a:p>
+            <a:pPr algn="ctr"/>
+            <a:endParaRPr lang="de-DE" dirty="0"/>
+          </a:p>
+        </p:txBody>
+      </p:sp>
     </p:spTree>
     <p:extLst>
       <p:ext uri="{BB962C8B-B14F-4D97-AF65-F5344CB8AC3E}">
         <p14:creationId xmlns:p14="http://schemas.microsoft.com/office/powerpoint/2010/main" val="137700569"/>
+      </p:ext>
+    </p:extLst>
+  </p:cSld>
+  <p:clrMapOvr>
+    <a:masterClrMapping/>
+  </p:clrMapOvr>
+</p:sld>
+</file>
+
+<file path=ppt/slides/slide20.xml><?xml version="1.0" encoding="utf-8"?>
+<p:sld xmlns:a="http://schemas.openxmlformats.org/drawingml/2006/main" xmlns:r="http://schemas.openxmlformats.org/officeDocument/2006/relationships" xmlns:p="http://schemas.openxmlformats.org/presentationml/2006/main">
+  <p:cSld>
+    <p:spTree>
+      <p:nvGrpSpPr>
+        <p:cNvPr id="1" name=""/>
+        <p:cNvGrpSpPr/>
+        <p:nvPr/>
+      </p:nvGrpSpPr>
+      <p:grpSpPr>
+        <a:xfrm>
+          <a:off x="0" y="0"/>
+          <a:ext cx="0" cy="0"/>
+          <a:chOff x="0" y="0"/>
+          <a:chExt cx="0" cy="0"/>
+        </a:xfrm>
+      </p:grpSpPr>
+      <p:sp>
+        <p:nvSpPr>
+          <p:cNvPr id="2" name="Rechteck 1">
+            <a:extLst>
+              <a:ext uri="{FF2B5EF4-FFF2-40B4-BE49-F238E27FC236}">
+                <a16:creationId xmlns:a16="http://schemas.microsoft.com/office/drawing/2014/main" id="{E858486D-F2CE-40F0-840A-89BC79758BB2}"/>
+              </a:ext>
+            </a:extLst>
+          </p:cNvPr>
+          <p:cNvSpPr/>
+          <p:nvPr/>
+        </p:nvSpPr>
+        <p:spPr>
+          <a:xfrm>
+            <a:off x="3896776" y="3244334"/>
+            <a:ext cx="4398448" cy="369332"/>
+          </a:xfrm>
+          <a:prstGeom prst="rect">
+            <a:avLst/>
+          </a:prstGeom>
+        </p:spPr>
+        <p:txBody>
+          <a:bodyPr wrap="none">
+            <a:spAutoFit/>
+          </a:bodyPr>
+          <a:lstStyle/>
+          <a:p>
+            <a:r>
+              <a:rPr lang="de-DE" dirty="0">
+                <a:hlinkClick r:id="rId2"/>
+              </a:rPr>
+              <a:t>https://www.fingent.com/blog/top-technologies-used-to-develop-mobile-app</a:t>
+            </a:r>
+            <a:endParaRPr lang="de-DE" dirty="0"/>
+          </a:p>
+        </p:txBody>
+      </p:sp>
+    </p:spTree>
+    <p:extLst>
+      <p:ext uri="{BB962C8B-B14F-4D97-AF65-F5344CB8AC3E}">
+        <p14:creationId xmlns:p14="http://schemas.microsoft.com/office/powerpoint/2010/main" val="1583026601"/>
       </p:ext>
     </p:extLst>
   </p:cSld>
@@ -9273,7 +9627,7 @@
           <p:cNvPr id="3" name="Grafik 2" descr="Ein Bild, das Screenshot enthält.&#10;&#10;Automatisch generierte Beschreibung">
             <a:extLst>
               <a:ext uri="{FF2B5EF4-FFF2-40B4-BE49-F238E27FC236}">
-                <a16:creationId xmlns:a16="http://schemas.microsoft.com/office/drawing/2014/main" id="{5DFAB29C-7B6C-4964-B217-86F0BA2389FA}"/>
+                <a16:creationId xmlns:a16="http://schemas.microsoft.com/office/drawing/2014/main" id="{2DA6BAF3-9FE6-4C1D-9E5C-DF3D2F72683A}"/>
               </a:ext>
             </a:extLst>
           </p:cNvPr>
@@ -9290,23 +9644,75 @@
               </a:ext>
             </a:extLst>
           </a:blip>
-          <a:srcRect b="13519"/>
+          <a:srcRect b="10556"/>
           <a:stretch/>
         </p:blipFill>
         <p:spPr>
           <a:xfrm>
-            <a:off x="1576176" y="374650"/>
-            <a:ext cx="9230148" cy="5930900"/>
+            <a:off x="2177143" y="361950"/>
+            <a:ext cx="7837714" cy="6134100"/>
           </a:xfrm>
           <a:prstGeom prst="rect">
             <a:avLst/>
           </a:prstGeom>
         </p:spPr>
       </p:pic>
+      <p:sp>
+        <p:nvSpPr>
+          <p:cNvPr id="4" name="Stern: 5 Zacken 3">
+            <a:extLst>
+              <a:ext uri="{FF2B5EF4-FFF2-40B4-BE49-F238E27FC236}">
+                <a16:creationId xmlns:a16="http://schemas.microsoft.com/office/drawing/2014/main" id="{313FC504-0383-4EA3-A718-EED081AE984F}"/>
+              </a:ext>
+            </a:extLst>
+          </p:cNvPr>
+          <p:cNvSpPr/>
+          <p:nvPr/>
+        </p:nvSpPr>
+        <p:spPr>
+          <a:xfrm>
+            <a:off x="146050" y="228600"/>
+            <a:ext cx="996950" cy="996950"/>
+          </a:xfrm>
+          <a:prstGeom prst="star5">
+            <a:avLst/>
+          </a:prstGeom>
+          <a:solidFill>
+            <a:srgbClr val="FFC000"/>
+          </a:solidFill>
+          <a:ln>
+            <a:noFill/>
+          </a:ln>
+        </p:spPr>
+        <p:style>
+          <a:lnRef idx="2">
+            <a:schemeClr val="accent1">
+              <a:shade val="50000"/>
+            </a:schemeClr>
+          </a:lnRef>
+          <a:fillRef idx="1">
+            <a:schemeClr val="accent1"/>
+          </a:fillRef>
+          <a:effectRef idx="0">
+            <a:schemeClr val="accent1"/>
+          </a:effectRef>
+          <a:fontRef idx="minor">
+            <a:schemeClr val="lt1"/>
+          </a:fontRef>
+        </p:style>
+        <p:txBody>
+          <a:bodyPr rtlCol="0" anchor="ctr"/>
+          <a:lstStyle/>
+          <a:p>
+            <a:pPr algn="ctr"/>
+            <a:endParaRPr lang="de-DE" dirty="0"/>
+          </a:p>
+        </p:txBody>
+      </p:sp>
     </p:spTree>
     <p:extLst>
       <p:ext uri="{BB962C8B-B14F-4D97-AF65-F5344CB8AC3E}">
-        <p14:creationId xmlns:p14="http://schemas.microsoft.com/office/powerpoint/2010/main" val="3328144352"/>
+        <p14:creationId xmlns:p14="http://schemas.microsoft.com/office/powerpoint/2010/main" val="2658655866"/>
       </p:ext>
     </p:extLst>
   </p:cSld>
@@ -9338,7 +9744,7 @@
           <p:cNvPr id="3" name="Grafik 2" descr="Ein Bild, das Screenshot enthält.&#10;&#10;Automatisch generierte Beschreibung">
             <a:extLst>
               <a:ext uri="{FF2B5EF4-FFF2-40B4-BE49-F238E27FC236}">
-                <a16:creationId xmlns:a16="http://schemas.microsoft.com/office/drawing/2014/main" id="{812A055D-5036-4894-80A8-B831959F2717}"/>
+                <a16:creationId xmlns:a16="http://schemas.microsoft.com/office/drawing/2014/main" id="{5DFAB29C-7B6C-4964-B217-86F0BA2389FA}"/>
               </a:ext>
             </a:extLst>
           </p:cNvPr>
@@ -9355,13 +9761,13 @@
               </a:ext>
             </a:extLst>
           </a:blip>
-          <a:srcRect b="16759"/>
+          <a:srcRect b="13519"/>
           <a:stretch/>
         </p:blipFill>
         <p:spPr>
           <a:xfrm>
-            <a:off x="1480926" y="469900"/>
-            <a:ext cx="9230148" cy="5708650"/>
+            <a:off x="1576176" y="374650"/>
+            <a:ext cx="9230148" cy="5930900"/>
           </a:xfrm>
           <a:prstGeom prst="rect">
             <a:avLst/>
@@ -9371,7 +9777,7 @@
     </p:spTree>
     <p:extLst>
       <p:ext uri="{BB962C8B-B14F-4D97-AF65-F5344CB8AC3E}">
-        <p14:creationId xmlns:p14="http://schemas.microsoft.com/office/powerpoint/2010/main" val="1650327178"/>
+        <p14:creationId xmlns:p14="http://schemas.microsoft.com/office/powerpoint/2010/main" val="3328144352"/>
       </p:ext>
     </p:extLst>
   </p:cSld>
@@ -9403,7 +9809,7 @@
           <p:cNvPr id="3" name="Grafik 2" descr="Ein Bild, das Screenshot enthält.&#10;&#10;Automatisch generierte Beschreibung">
             <a:extLst>
               <a:ext uri="{FF2B5EF4-FFF2-40B4-BE49-F238E27FC236}">
-                <a16:creationId xmlns:a16="http://schemas.microsoft.com/office/drawing/2014/main" id="{2DA6BAF3-9FE6-4C1D-9E5C-DF3D2F72683A}"/>
+                <a16:creationId xmlns:a16="http://schemas.microsoft.com/office/drawing/2014/main" id="{812A055D-5036-4894-80A8-B831959F2717}"/>
               </a:ext>
             </a:extLst>
           </p:cNvPr>
@@ -9420,13 +9826,13 @@
               </a:ext>
             </a:extLst>
           </a:blip>
-          <a:srcRect b="10556"/>
+          <a:srcRect b="16759"/>
           <a:stretch/>
         </p:blipFill>
         <p:spPr>
           <a:xfrm>
-            <a:off x="2177143" y="361950"/>
-            <a:ext cx="7837714" cy="6134100"/>
+            <a:off x="1480926" y="469900"/>
+            <a:ext cx="9230148" cy="5708650"/>
           </a:xfrm>
           <a:prstGeom prst="rect">
             <a:avLst/>
@@ -9436,7 +9842,7 @@
     </p:spTree>
     <p:extLst>
       <p:ext uri="{BB962C8B-B14F-4D97-AF65-F5344CB8AC3E}">
-        <p14:creationId xmlns:p14="http://schemas.microsoft.com/office/powerpoint/2010/main" val="2658655866"/>
+        <p14:creationId xmlns:p14="http://schemas.microsoft.com/office/powerpoint/2010/main" val="1650327178"/>
       </p:ext>
     </p:extLst>
   </p:cSld>
@@ -10348,10 +10754,10 @@
       </p:grpSpPr>
       <p:pic>
         <p:nvPicPr>
-          <p:cNvPr id="4" name="Grafik 3" descr="Ein Bild, das Screenshot enthält.&#10;&#10;Automatisch generierte Beschreibung">
+          <p:cNvPr id="3" name="Grafik 2" descr="Ein Bild, das Screenshot enthält.&#10;&#10;Automatisch generierte Beschreibung">
             <a:extLst>
               <a:ext uri="{FF2B5EF4-FFF2-40B4-BE49-F238E27FC236}">
-                <a16:creationId xmlns:a16="http://schemas.microsoft.com/office/drawing/2014/main" id="{5CB4224C-2D19-4996-8127-0B97D32728BF}"/>
+                <a16:creationId xmlns:a16="http://schemas.microsoft.com/office/drawing/2014/main" id="{84BED00E-6DAD-4455-BC9B-ABE6CABB711F}"/>
               </a:ext>
             </a:extLst>
           </p:cNvPr>
@@ -10368,19 +10774,71 @@
               </a:ext>
             </a:extLst>
           </a:blip>
-          <a:srcRect b="12037"/>
+          <a:srcRect b="14445"/>
           <a:stretch/>
         </p:blipFill>
         <p:spPr>
           <a:xfrm>
-            <a:off x="2400957" y="412750"/>
-            <a:ext cx="7390086" cy="6032500"/>
+            <a:off x="1480926" y="495300"/>
+            <a:ext cx="9230148" cy="5867400"/>
           </a:xfrm>
           <a:prstGeom prst="rect">
             <a:avLst/>
           </a:prstGeom>
         </p:spPr>
       </p:pic>
+      <p:sp>
+        <p:nvSpPr>
+          <p:cNvPr id="5" name="Stern: 5 Zacken 4">
+            <a:extLst>
+              <a:ext uri="{FF2B5EF4-FFF2-40B4-BE49-F238E27FC236}">
+                <a16:creationId xmlns:a16="http://schemas.microsoft.com/office/drawing/2014/main" id="{25DCB1CC-D28F-4A54-8A96-FA4BD74D49B5}"/>
+              </a:ext>
+            </a:extLst>
+          </p:cNvPr>
+          <p:cNvSpPr/>
+          <p:nvPr/>
+        </p:nvSpPr>
+        <p:spPr>
+          <a:xfrm>
+            <a:off x="146050" y="228600"/>
+            <a:ext cx="996950" cy="996950"/>
+          </a:xfrm>
+          <a:prstGeom prst="star5">
+            <a:avLst/>
+          </a:prstGeom>
+          <a:solidFill>
+            <a:srgbClr val="FFC000"/>
+          </a:solidFill>
+          <a:ln>
+            <a:noFill/>
+          </a:ln>
+        </p:spPr>
+        <p:style>
+          <a:lnRef idx="2">
+            <a:schemeClr val="accent1">
+              <a:shade val="50000"/>
+            </a:schemeClr>
+          </a:lnRef>
+          <a:fillRef idx="1">
+            <a:schemeClr val="accent1"/>
+          </a:fillRef>
+          <a:effectRef idx="0">
+            <a:schemeClr val="accent1"/>
+          </a:effectRef>
+          <a:fontRef idx="minor">
+            <a:schemeClr val="lt1"/>
+          </a:fontRef>
+        </p:style>
+        <p:txBody>
+          <a:bodyPr rtlCol="0" anchor="ctr"/>
+          <a:lstStyle/>
+          <a:p>
+            <a:pPr algn="ctr"/>
+            <a:endParaRPr lang="de-DE" dirty="0"/>
+          </a:p>
+        </p:txBody>
+      </p:sp>
     </p:spTree>
     <p:extLst>
       <p:ext uri="{BB962C8B-B14F-4D97-AF65-F5344CB8AC3E}">
@@ -10411,12 +10869,64 @@
           <a:chExt cx="0" cy="0"/>
         </a:xfrm>
       </p:grpSpPr>
+      <p:sp>
+        <p:nvSpPr>
+          <p:cNvPr id="5" name="Stern: 5 Zacken 4">
+            <a:extLst>
+              <a:ext uri="{FF2B5EF4-FFF2-40B4-BE49-F238E27FC236}">
+                <a16:creationId xmlns:a16="http://schemas.microsoft.com/office/drawing/2014/main" id="{25DCB1CC-D28F-4A54-8A96-FA4BD74D49B5}"/>
+              </a:ext>
+            </a:extLst>
+          </p:cNvPr>
+          <p:cNvSpPr/>
+          <p:nvPr/>
+        </p:nvSpPr>
+        <p:spPr>
+          <a:xfrm>
+            <a:off x="146050" y="228600"/>
+            <a:ext cx="996950" cy="996950"/>
+          </a:xfrm>
+          <a:prstGeom prst="star5">
+            <a:avLst/>
+          </a:prstGeom>
+          <a:solidFill>
+            <a:srgbClr val="FFC000"/>
+          </a:solidFill>
+          <a:ln>
+            <a:noFill/>
+          </a:ln>
+        </p:spPr>
+        <p:style>
+          <a:lnRef idx="2">
+            <a:schemeClr val="accent1">
+              <a:shade val="50000"/>
+            </a:schemeClr>
+          </a:lnRef>
+          <a:fillRef idx="1">
+            <a:schemeClr val="accent1"/>
+          </a:fillRef>
+          <a:effectRef idx="0">
+            <a:schemeClr val="accent1"/>
+          </a:effectRef>
+          <a:fontRef idx="minor">
+            <a:schemeClr val="lt1"/>
+          </a:fontRef>
+        </p:style>
+        <p:txBody>
+          <a:bodyPr rtlCol="0" anchor="ctr"/>
+          <a:lstStyle/>
+          <a:p>
+            <a:pPr algn="ctr"/>
+            <a:endParaRPr lang="de-DE" dirty="0"/>
+          </a:p>
+        </p:txBody>
+      </p:sp>
       <p:pic>
         <p:nvPicPr>
-          <p:cNvPr id="3" name="Grafik 2" descr="Ein Bild, das Screenshot enthält.&#10;&#10;Automatisch generierte Beschreibung">
+          <p:cNvPr id="4" name="Grafik 3" descr="Ein Bild, das Screenshot enthält.&#10;&#10;Automatisch generierte Beschreibung">
             <a:extLst>
               <a:ext uri="{FF2B5EF4-FFF2-40B4-BE49-F238E27FC236}">
-                <a16:creationId xmlns:a16="http://schemas.microsoft.com/office/drawing/2014/main" id="{6FA021F9-1796-439E-92DE-57C7CFCC4B49}"/>
+                <a16:creationId xmlns:a16="http://schemas.microsoft.com/office/drawing/2014/main" id="{A6CAB18A-8619-4F2A-9BE7-0D93CA6C512F}"/>
               </a:ext>
             </a:extLst>
           </p:cNvPr>
@@ -10433,13 +10943,13 @@
               </a:ext>
             </a:extLst>
           </a:blip>
-          <a:srcRect b="11204"/>
+          <a:srcRect b="15352"/>
           <a:stretch/>
         </p:blipFill>
         <p:spPr>
           <a:xfrm>
-            <a:off x="2405743" y="384175"/>
-            <a:ext cx="7837714" cy="6089650"/>
+            <a:off x="1480926" y="526409"/>
+            <a:ext cx="9230148" cy="5805182"/>
           </a:xfrm>
           <a:prstGeom prst="rect">
             <a:avLst/>
@@ -10449,7 +10959,7 @@
     </p:spTree>
     <p:extLst>
       <p:ext uri="{BB962C8B-B14F-4D97-AF65-F5344CB8AC3E}">
-        <p14:creationId xmlns:p14="http://schemas.microsoft.com/office/powerpoint/2010/main" val="3134743577"/>
+        <p14:creationId xmlns:p14="http://schemas.microsoft.com/office/powerpoint/2010/main" val="3704966963"/>
       </p:ext>
     </p:extLst>
   </p:cSld>
@@ -10478,10 +10988,10 @@
       </p:grpSpPr>
       <p:pic>
         <p:nvPicPr>
-          <p:cNvPr id="5" name="Grafik 4" descr="Ein Bild, das Screenshot enthält.&#10;&#10;Automatisch generierte Beschreibung">
+          <p:cNvPr id="4" name="Grafik 3" descr="Ein Bild, das Screenshot enthält.&#10;&#10;Automatisch generierte Beschreibung">
             <a:extLst>
               <a:ext uri="{FF2B5EF4-FFF2-40B4-BE49-F238E27FC236}">
-                <a16:creationId xmlns:a16="http://schemas.microsoft.com/office/drawing/2014/main" id="{E16F34E6-4AA7-4292-8935-CA136C2D6FC3}"/>
+                <a16:creationId xmlns:a16="http://schemas.microsoft.com/office/drawing/2014/main" id="{5CB4224C-2D19-4996-8127-0B97D32728BF}"/>
               </a:ext>
             </a:extLst>
           </p:cNvPr>
@@ -10498,13 +11008,13 @@
               </a:ext>
             </a:extLst>
           </a:blip>
-          <a:srcRect b="10657"/>
+          <a:srcRect b="12037"/>
           <a:stretch/>
         </p:blipFill>
         <p:spPr>
           <a:xfrm>
-            <a:off x="2595737" y="368299"/>
-            <a:ext cx="7000526" cy="5973045"/>
+            <a:off x="2400957" y="412750"/>
+            <a:ext cx="7390086" cy="6032500"/>
           </a:xfrm>
           <a:prstGeom prst="rect">
             <a:avLst/>
@@ -10514,7 +11024,7 @@
     </p:spTree>
     <p:extLst>
       <p:ext uri="{BB962C8B-B14F-4D97-AF65-F5344CB8AC3E}">
-        <p14:creationId xmlns:p14="http://schemas.microsoft.com/office/powerpoint/2010/main" val="2916382050"/>
+        <p14:creationId xmlns:p14="http://schemas.microsoft.com/office/powerpoint/2010/main" val="235242144"/>
       </p:ext>
     </p:extLst>
   </p:cSld>

--- a/Statistiken/Wichtigste_Statistiken.pptx
+++ b/Statistiken/Wichtigste_Statistiken.pptx
@@ -22,9 +22,13 @@
     <p:sldId id="272" r:id="rId16"/>
     <p:sldId id="273" r:id="rId17"/>
     <p:sldId id="274" r:id="rId18"/>
-    <p:sldId id="267" r:id="rId19"/>
-    <p:sldId id="268" r:id="rId20"/>
-    <p:sldId id="269" r:id="rId21"/>
+    <p:sldId id="279" r:id="rId19"/>
+    <p:sldId id="281" r:id="rId20"/>
+    <p:sldId id="280" r:id="rId21"/>
+    <p:sldId id="278" r:id="rId22"/>
+    <p:sldId id="267" r:id="rId23"/>
+    <p:sldId id="268" r:id="rId24"/>
+    <p:sldId id="269" r:id="rId25"/>
   </p:sldIdLst>
   <p:sldSz cx="12192000" cy="6858000"/>
   <p:notesSz cx="6858000" cy="9144000"/>
@@ -8955,13 +8959,18 @@
           <a:p>
             <a:pPr algn="ctr"/>
             <a:r>
-              <a:rPr lang="de-DE" sz="5200" dirty="0">
+              <a:rPr lang="de-DE" sz="5200" dirty="0" err="1">
                 <a:solidFill>
                   <a:schemeClr val="bg1"/>
                 </a:solidFill>
               </a:rPr>
-              <a:t>Technik</a:t>
+              <a:t>Foodwaste</a:t>
             </a:r>
+            <a:endParaRPr lang="de-DE" sz="5200" dirty="0">
+              <a:solidFill>
+                <a:schemeClr val="bg1"/>
+              </a:solidFill>
+            </a:endParaRPr>
           </a:p>
         </p:txBody>
       </p:sp>
@@ -9310,10 +9319,10 @@
       </p:grpSpPr>
       <p:pic>
         <p:nvPicPr>
-          <p:cNvPr id="3" name="Grafik 2" descr="Ein Bild, das Karte enthält.&#10;&#10;Automatisch generierte Beschreibung">
+          <p:cNvPr id="6" name="Grafik 5" descr="Ein Bild, das Screenshot enthält.&#10;&#10;Automatisch generierte Beschreibung">
             <a:extLst>
               <a:ext uri="{FF2B5EF4-FFF2-40B4-BE49-F238E27FC236}">
-                <a16:creationId xmlns:a16="http://schemas.microsoft.com/office/drawing/2014/main" id="{9C187A8E-F8F7-4EC4-8DF4-CE390F12C509}"/>
+                <a16:creationId xmlns:a16="http://schemas.microsoft.com/office/drawing/2014/main" id="{9F19A058-914C-430D-BEE2-C77B9BC7C455}"/>
               </a:ext>
             </a:extLst>
           </p:cNvPr>
@@ -9330,143 +9339,13 @@
               </a:ext>
             </a:extLst>
           </a:blip>
-          <a:srcRect b="14815"/>
+          <a:srcRect b="14074"/>
           <a:stretch/>
         </p:blipFill>
         <p:spPr>
           <a:xfrm>
-            <a:off x="1480926" y="508000"/>
-            <a:ext cx="9230148" cy="5842000"/>
-          </a:xfrm>
-          <a:prstGeom prst="rect">
-            <a:avLst/>
-          </a:prstGeom>
-        </p:spPr>
-      </p:pic>
-    </p:spTree>
-    <p:extLst>
-      <p:ext uri="{BB962C8B-B14F-4D97-AF65-F5344CB8AC3E}">
-        <p14:creationId xmlns:p14="http://schemas.microsoft.com/office/powerpoint/2010/main" val="601441219"/>
-      </p:ext>
-    </p:extLst>
-  </p:cSld>
-  <p:clrMapOvr>
-    <a:masterClrMapping/>
-  </p:clrMapOvr>
-</p:sld>
-</file>
-
-<file path=ppt/slides/slide19.xml><?xml version="1.0" encoding="utf-8"?>
-<p:sld xmlns:a="http://schemas.openxmlformats.org/drawingml/2006/main" xmlns:r="http://schemas.openxmlformats.org/officeDocument/2006/relationships" xmlns:p="http://schemas.openxmlformats.org/presentationml/2006/main">
-  <p:cSld>
-    <p:spTree>
-      <p:nvGrpSpPr>
-        <p:cNvPr id="1" name=""/>
-        <p:cNvGrpSpPr/>
-        <p:nvPr/>
-      </p:nvGrpSpPr>
-      <p:grpSpPr>
-        <a:xfrm>
-          <a:off x="0" y="0"/>
-          <a:ext cx="0" cy="0"/>
-          <a:chOff x="0" y="0"/>
-          <a:chExt cx="0" cy="0"/>
-        </a:xfrm>
-      </p:grpSpPr>
-      <p:pic>
-        <p:nvPicPr>
-          <p:cNvPr id="4" name="Grafik 3" descr="Ein Bild, das Screenshot enthält.&#10;&#10;Automatisch generierte Beschreibung">
-            <a:extLst>
-              <a:ext uri="{FF2B5EF4-FFF2-40B4-BE49-F238E27FC236}">
-                <a16:creationId xmlns:a16="http://schemas.microsoft.com/office/drawing/2014/main" id="{8C598873-EFE2-4A10-AD63-5B2A3FD41439}"/>
-              </a:ext>
-            </a:extLst>
-          </p:cNvPr>
-          <p:cNvPicPr>
-            <a:picLocks noChangeAspect="1"/>
-          </p:cNvPicPr>
-          <p:nvPr/>
-        </p:nvPicPr>
-        <p:blipFill rotWithShape="1">
-          <a:blip r:embed="rId2">
-            <a:extLst>
-              <a:ext uri="{28A0092B-C50C-407E-A947-70E740481C1C}">
-                <a14:useLocalDpi xmlns:a14="http://schemas.microsoft.com/office/drawing/2010/main" val="0"/>
-              </a:ext>
-            </a:extLst>
-          </a:blip>
-          <a:srcRect b="17315"/>
-          <a:stretch/>
-        </p:blipFill>
-        <p:spPr>
-          <a:xfrm>
-            <a:off x="1480926" y="654050"/>
-            <a:ext cx="9230148" cy="5670550"/>
-          </a:xfrm>
-          <a:prstGeom prst="rect">
-            <a:avLst/>
-          </a:prstGeom>
-        </p:spPr>
-      </p:pic>
-    </p:spTree>
-    <p:extLst>
-      <p:ext uri="{BB962C8B-B14F-4D97-AF65-F5344CB8AC3E}">
-        <p14:creationId xmlns:p14="http://schemas.microsoft.com/office/powerpoint/2010/main" val="3025820164"/>
-      </p:ext>
-    </p:extLst>
-  </p:cSld>
-  <p:clrMapOvr>
-    <a:masterClrMapping/>
-  </p:clrMapOvr>
-</p:sld>
-</file>
-
-<file path=ppt/slides/slide2.xml><?xml version="1.0" encoding="utf-8"?>
-<p:sld xmlns:a="http://schemas.openxmlformats.org/drawingml/2006/main" xmlns:r="http://schemas.openxmlformats.org/officeDocument/2006/relationships" xmlns:p="http://schemas.openxmlformats.org/presentationml/2006/main">
-  <p:cSld>
-    <p:spTree>
-      <p:nvGrpSpPr>
-        <p:cNvPr id="1" name=""/>
-        <p:cNvGrpSpPr/>
-        <p:nvPr/>
-      </p:nvGrpSpPr>
-      <p:grpSpPr>
-        <a:xfrm>
-          <a:off x="0" y="0"/>
-          <a:ext cx="0" cy="0"/>
-          <a:chOff x="0" y="0"/>
-          <a:chExt cx="0" cy="0"/>
-        </a:xfrm>
-      </p:grpSpPr>
-      <p:pic>
-        <p:nvPicPr>
-          <p:cNvPr id="3" name="Grafik 2" descr="Ein Bild, das Screenshot enthält.&#10;&#10;Automatisch generierte Beschreibung">
-            <a:extLst>
-              <a:ext uri="{FF2B5EF4-FFF2-40B4-BE49-F238E27FC236}">
-                <a16:creationId xmlns:a16="http://schemas.microsoft.com/office/drawing/2014/main" id="{50D47935-E05D-464A-B80E-FD3D62981E71}"/>
-              </a:ext>
-            </a:extLst>
-          </p:cNvPr>
-          <p:cNvPicPr>
-            <a:picLocks noChangeAspect="1"/>
-          </p:cNvPicPr>
-          <p:nvPr/>
-        </p:nvPicPr>
-        <p:blipFill rotWithShape="1">
-          <a:blip r:embed="rId2">
-            <a:extLst>
-              <a:ext uri="{28A0092B-C50C-407E-A947-70E740481C1C}">
-                <a14:useLocalDpi xmlns:a14="http://schemas.microsoft.com/office/drawing/2010/main" val="0"/>
-              </a:ext>
-            </a:extLst>
-          </a:blip>
-          <a:srcRect b="15463"/>
-          <a:stretch/>
-        </p:blipFill>
-        <p:spPr>
-          <a:xfrm>
-            <a:off x="1480926" y="685800"/>
-            <a:ext cx="9230148" cy="5797550"/>
+            <a:off x="1480926" y="349250"/>
+            <a:ext cx="9230148" cy="5892800"/>
           </a:xfrm>
           <a:prstGeom prst="rect">
             <a:avLst/>
@@ -9475,10 +9354,10 @@
       </p:pic>
       <p:sp>
         <p:nvSpPr>
-          <p:cNvPr id="4" name="Stern: 5 Zacken 3">
+          <p:cNvPr id="7" name="Stern: 5 Zacken 6">
             <a:extLst>
               <a:ext uri="{FF2B5EF4-FFF2-40B4-BE49-F238E27FC236}">
-                <a16:creationId xmlns:a16="http://schemas.microsoft.com/office/drawing/2014/main" id="{22396BB0-FDA7-4F7E-8436-4EBBFE3ADBD3}"/>
+                <a16:creationId xmlns:a16="http://schemas.microsoft.com/office/drawing/2014/main" id="{82A9252E-8759-444D-AAA5-5BAD2E983302}"/>
               </a:ext>
             </a:extLst>
           </p:cNvPr>
@@ -9528,6 +9407,240 @@
     </p:spTree>
     <p:extLst>
       <p:ext uri="{BB962C8B-B14F-4D97-AF65-F5344CB8AC3E}">
+        <p14:creationId xmlns:p14="http://schemas.microsoft.com/office/powerpoint/2010/main" val="2261203005"/>
+      </p:ext>
+    </p:extLst>
+  </p:cSld>
+  <p:clrMapOvr>
+    <a:masterClrMapping/>
+  </p:clrMapOvr>
+</p:sld>
+</file>
+
+<file path=ppt/slides/slide19.xml><?xml version="1.0" encoding="utf-8"?>
+<p:sld xmlns:a="http://schemas.openxmlformats.org/drawingml/2006/main" xmlns:r="http://schemas.openxmlformats.org/officeDocument/2006/relationships" xmlns:p="http://schemas.openxmlformats.org/presentationml/2006/main">
+  <p:cSld>
+    <p:spTree>
+      <p:nvGrpSpPr>
+        <p:cNvPr id="1" name=""/>
+        <p:cNvGrpSpPr/>
+        <p:nvPr/>
+      </p:nvGrpSpPr>
+      <p:grpSpPr>
+        <a:xfrm>
+          <a:off x="0" y="0"/>
+          <a:ext cx="0" cy="0"/>
+          <a:chOff x="0" y="0"/>
+          <a:chExt cx="0" cy="0"/>
+        </a:xfrm>
+      </p:grpSpPr>
+      <p:sp>
+        <p:nvSpPr>
+          <p:cNvPr id="7" name="Stern: 5 Zacken 6">
+            <a:extLst>
+              <a:ext uri="{FF2B5EF4-FFF2-40B4-BE49-F238E27FC236}">
+                <a16:creationId xmlns:a16="http://schemas.microsoft.com/office/drawing/2014/main" id="{82A9252E-8759-444D-AAA5-5BAD2E983302}"/>
+              </a:ext>
+            </a:extLst>
+          </p:cNvPr>
+          <p:cNvSpPr/>
+          <p:nvPr/>
+        </p:nvSpPr>
+        <p:spPr>
+          <a:xfrm>
+            <a:off x="146050" y="228600"/>
+            <a:ext cx="996950" cy="996950"/>
+          </a:xfrm>
+          <a:prstGeom prst="star5">
+            <a:avLst/>
+          </a:prstGeom>
+          <a:solidFill>
+            <a:srgbClr val="FFC000"/>
+          </a:solidFill>
+          <a:ln>
+            <a:noFill/>
+          </a:ln>
+        </p:spPr>
+        <p:style>
+          <a:lnRef idx="2">
+            <a:schemeClr val="accent1">
+              <a:shade val="50000"/>
+            </a:schemeClr>
+          </a:lnRef>
+          <a:fillRef idx="1">
+            <a:schemeClr val="accent1"/>
+          </a:fillRef>
+          <a:effectRef idx="0">
+            <a:schemeClr val="accent1"/>
+          </a:effectRef>
+          <a:fontRef idx="minor">
+            <a:schemeClr val="lt1"/>
+          </a:fontRef>
+        </p:style>
+        <p:txBody>
+          <a:bodyPr rtlCol="0" anchor="ctr"/>
+          <a:lstStyle/>
+          <a:p>
+            <a:pPr algn="ctr"/>
+            <a:endParaRPr lang="de-DE" dirty="0"/>
+          </a:p>
+        </p:txBody>
+      </p:sp>
+      <p:pic>
+        <p:nvPicPr>
+          <p:cNvPr id="3" name="Grafik 2" descr="Ein Bild, das Screenshot enthält.&#10;&#10;Automatisch generierte Beschreibung">
+            <a:extLst>
+              <a:ext uri="{FF2B5EF4-FFF2-40B4-BE49-F238E27FC236}">
+                <a16:creationId xmlns:a16="http://schemas.microsoft.com/office/drawing/2014/main" id="{B6FD4520-597E-40A4-AE50-1649B236C60B}"/>
+              </a:ext>
+            </a:extLst>
+          </p:cNvPr>
+          <p:cNvPicPr>
+            <a:picLocks noChangeAspect="1"/>
+          </p:cNvPicPr>
+          <p:nvPr/>
+        </p:nvPicPr>
+        <p:blipFill rotWithShape="1">
+          <a:blip r:embed="rId2">
+            <a:extLst>
+              <a:ext uri="{28A0092B-C50C-407E-A947-70E740481C1C}">
+                <a14:useLocalDpi xmlns:a14="http://schemas.microsoft.com/office/drawing/2010/main" val="0"/>
+              </a:ext>
+            </a:extLst>
+          </a:blip>
+          <a:srcRect b="14537"/>
+          <a:stretch/>
+        </p:blipFill>
+        <p:spPr>
+          <a:xfrm>
+            <a:off x="1480926" y="558800"/>
+            <a:ext cx="9230148" cy="5861050"/>
+          </a:xfrm>
+          <a:prstGeom prst="rect">
+            <a:avLst/>
+          </a:prstGeom>
+        </p:spPr>
+      </p:pic>
+    </p:spTree>
+    <p:extLst>
+      <p:ext uri="{BB962C8B-B14F-4D97-AF65-F5344CB8AC3E}">
+        <p14:creationId xmlns:p14="http://schemas.microsoft.com/office/powerpoint/2010/main" val="1572036192"/>
+      </p:ext>
+    </p:extLst>
+  </p:cSld>
+  <p:clrMapOvr>
+    <a:masterClrMapping/>
+  </p:clrMapOvr>
+</p:sld>
+</file>
+
+<file path=ppt/slides/slide2.xml><?xml version="1.0" encoding="utf-8"?>
+<p:sld xmlns:a="http://schemas.openxmlformats.org/drawingml/2006/main" xmlns:r="http://schemas.openxmlformats.org/officeDocument/2006/relationships" xmlns:p="http://schemas.openxmlformats.org/presentationml/2006/main">
+  <p:cSld>
+    <p:spTree>
+      <p:nvGrpSpPr>
+        <p:cNvPr id="1" name=""/>
+        <p:cNvGrpSpPr/>
+        <p:nvPr/>
+      </p:nvGrpSpPr>
+      <p:grpSpPr>
+        <a:xfrm>
+          <a:off x="0" y="0"/>
+          <a:ext cx="0" cy="0"/>
+          <a:chOff x="0" y="0"/>
+          <a:chExt cx="0" cy="0"/>
+        </a:xfrm>
+      </p:grpSpPr>
+      <p:pic>
+        <p:nvPicPr>
+          <p:cNvPr id="3" name="Grafik 2" descr="Ein Bild, das Screenshot enthält.&#10;&#10;Automatisch generierte Beschreibung">
+            <a:extLst>
+              <a:ext uri="{FF2B5EF4-FFF2-40B4-BE49-F238E27FC236}">
+                <a16:creationId xmlns:a16="http://schemas.microsoft.com/office/drawing/2014/main" id="{50D47935-E05D-464A-B80E-FD3D62981E71}"/>
+              </a:ext>
+            </a:extLst>
+          </p:cNvPr>
+          <p:cNvPicPr>
+            <a:picLocks noChangeAspect="1"/>
+          </p:cNvPicPr>
+          <p:nvPr/>
+        </p:nvPicPr>
+        <p:blipFill rotWithShape="1">
+          <a:blip r:embed="rId2">
+            <a:extLst>
+              <a:ext uri="{28A0092B-C50C-407E-A947-70E740481C1C}">
+                <a14:useLocalDpi xmlns:a14="http://schemas.microsoft.com/office/drawing/2010/main" val="0"/>
+              </a:ext>
+            </a:extLst>
+          </a:blip>
+          <a:srcRect b="15463"/>
+          <a:stretch/>
+        </p:blipFill>
+        <p:spPr>
+          <a:xfrm>
+            <a:off x="1480926" y="685800"/>
+            <a:ext cx="9230148" cy="5797550"/>
+          </a:xfrm>
+          <a:prstGeom prst="rect">
+            <a:avLst/>
+          </a:prstGeom>
+        </p:spPr>
+      </p:pic>
+      <p:sp>
+        <p:nvSpPr>
+          <p:cNvPr id="4" name="Stern: 5 Zacken 3">
+            <a:extLst>
+              <a:ext uri="{FF2B5EF4-FFF2-40B4-BE49-F238E27FC236}">
+                <a16:creationId xmlns:a16="http://schemas.microsoft.com/office/drawing/2014/main" id="{22396BB0-FDA7-4F7E-8436-4EBBFE3ADBD3}"/>
+              </a:ext>
+            </a:extLst>
+          </p:cNvPr>
+          <p:cNvSpPr/>
+          <p:nvPr/>
+        </p:nvSpPr>
+        <p:spPr>
+          <a:xfrm>
+            <a:off x="146050" y="228600"/>
+            <a:ext cx="996950" cy="996950"/>
+          </a:xfrm>
+          <a:prstGeom prst="star5">
+            <a:avLst/>
+          </a:prstGeom>
+          <a:solidFill>
+            <a:srgbClr val="FFC000"/>
+          </a:solidFill>
+          <a:ln>
+            <a:noFill/>
+          </a:ln>
+        </p:spPr>
+        <p:style>
+          <a:lnRef idx="2">
+            <a:schemeClr val="accent1">
+              <a:shade val="50000"/>
+            </a:schemeClr>
+          </a:lnRef>
+          <a:fillRef idx="1">
+            <a:schemeClr val="accent1"/>
+          </a:fillRef>
+          <a:effectRef idx="0">
+            <a:schemeClr val="accent1"/>
+          </a:effectRef>
+          <a:fontRef idx="minor">
+            <a:schemeClr val="lt1"/>
+          </a:fontRef>
+        </p:style>
+        <p:txBody>
+          <a:bodyPr rtlCol="0" anchor="ctr"/>
+          <a:lstStyle/>
+          <a:p>
+            <a:pPr algn="ctr"/>
+            <a:endParaRPr lang="de-DE" dirty="0"/>
+          </a:p>
+        </p:txBody>
+      </p:sp>
+    </p:spTree>
+    <p:extLst>
+      <p:ext uri="{BB962C8B-B14F-4D97-AF65-F5344CB8AC3E}">
         <p14:creationId xmlns:p14="http://schemas.microsoft.com/office/powerpoint/2010/main" val="137700569"/>
       </p:ext>
     </p:extLst>
@@ -9539,6 +9652,1084 @@
 </file>
 
 <file path=ppt/slides/slide20.xml><?xml version="1.0" encoding="utf-8"?>
+<p:sld xmlns:a="http://schemas.openxmlformats.org/drawingml/2006/main" xmlns:r="http://schemas.openxmlformats.org/officeDocument/2006/relationships" xmlns:p="http://schemas.openxmlformats.org/presentationml/2006/main">
+  <p:cSld>
+    <p:spTree>
+      <p:nvGrpSpPr>
+        <p:cNvPr id="1" name=""/>
+        <p:cNvGrpSpPr/>
+        <p:nvPr/>
+      </p:nvGrpSpPr>
+      <p:grpSpPr>
+        <a:xfrm>
+          <a:off x="0" y="0"/>
+          <a:ext cx="0" cy="0"/>
+          <a:chOff x="0" y="0"/>
+          <a:chExt cx="0" cy="0"/>
+        </a:xfrm>
+      </p:grpSpPr>
+      <p:pic>
+        <p:nvPicPr>
+          <p:cNvPr id="4" name="Grafik 3" descr="Ein Bild, das Screenshot enthält.&#10;&#10;Automatisch generierte Beschreibung">
+            <a:extLst>
+              <a:ext uri="{FF2B5EF4-FFF2-40B4-BE49-F238E27FC236}">
+                <a16:creationId xmlns:a16="http://schemas.microsoft.com/office/drawing/2014/main" id="{2AEB7EA4-1EFE-4E73-A6EE-72272311A31F}"/>
+              </a:ext>
+            </a:extLst>
+          </p:cNvPr>
+          <p:cNvPicPr>
+            <a:picLocks noChangeAspect="1"/>
+          </p:cNvPicPr>
+          <p:nvPr/>
+        </p:nvPicPr>
+        <p:blipFill rotWithShape="1">
+          <a:blip r:embed="rId2">
+            <a:extLst>
+              <a:ext uri="{28A0092B-C50C-407E-A947-70E740481C1C}">
+                <a14:useLocalDpi xmlns:a14="http://schemas.microsoft.com/office/drawing/2010/main" val="0"/>
+              </a:ext>
+            </a:extLst>
+          </a:blip>
+          <a:srcRect b="14629"/>
+          <a:stretch/>
+        </p:blipFill>
+        <p:spPr>
+          <a:xfrm>
+            <a:off x="1480926" y="501650"/>
+            <a:ext cx="9230148" cy="5854700"/>
+          </a:xfrm>
+          <a:prstGeom prst="rect">
+            <a:avLst/>
+          </a:prstGeom>
+        </p:spPr>
+      </p:pic>
+    </p:spTree>
+    <p:extLst>
+      <p:ext uri="{BB962C8B-B14F-4D97-AF65-F5344CB8AC3E}">
+        <p14:creationId xmlns:p14="http://schemas.microsoft.com/office/powerpoint/2010/main" val="3250960766"/>
+      </p:ext>
+    </p:extLst>
+  </p:cSld>
+  <p:clrMapOvr>
+    <a:masterClrMapping/>
+  </p:clrMapOvr>
+</p:sld>
+</file>
+
+<file path=ppt/slides/slide21.xml><?xml version="1.0" encoding="utf-8"?>
+<p:sld xmlns:a="http://schemas.openxmlformats.org/drawingml/2006/main" xmlns:r="http://schemas.openxmlformats.org/officeDocument/2006/relationships" xmlns:p="http://schemas.openxmlformats.org/presentationml/2006/main">
+  <p:cSld>
+    <p:bg>
+      <p:bgPr>
+        <a:solidFill>
+          <a:schemeClr val="bg1"/>
+        </a:solidFill>
+        <a:effectLst/>
+      </p:bgPr>
+    </p:bg>
+    <p:spTree>
+      <p:nvGrpSpPr>
+        <p:cNvPr id="1" name=""/>
+        <p:cNvGrpSpPr/>
+        <p:nvPr/>
+      </p:nvGrpSpPr>
+      <p:grpSpPr>
+        <a:xfrm>
+          <a:off x="0" y="0"/>
+          <a:ext cx="0" cy="0"/>
+          <a:chOff x="0" y="0"/>
+          <a:chExt cx="0" cy="0"/>
+        </a:xfrm>
+      </p:grpSpPr>
+      <p:sp useBgFill="1">
+        <p:nvSpPr>
+          <p:cNvPr id="9" name="Rectangle 8">
+            <a:extLst>
+              <a:ext uri="{FF2B5EF4-FFF2-40B4-BE49-F238E27FC236}">
+                <a16:creationId xmlns:a16="http://schemas.microsoft.com/office/drawing/2014/main" id="{D2306AB6-9D65-4F8E-9FD7-C3F3A3DE395D}"/>
+              </a:ext>
+              <a:ext uri="{C183D7F6-B498-43B3-948B-1728B52AA6E4}">
+                <adec:decorative xmlns:adec="http://schemas.microsoft.com/office/drawing/2017/decorative" val="1"/>
+              </a:ext>
+            </a:extLst>
+          </p:cNvPr>
+          <p:cNvSpPr>
+            <a:spLocks noGrp="1" noRot="1" noChangeAspect="1" noMove="1" noResize="1" noEditPoints="1" noAdjustHandles="1" noChangeArrowheads="1" noChangeShapeType="1" noTextEdit="1"/>
+          </p:cNvSpPr>
+          <p:nvPr>
+            <p:extLst>
+              <p:ext uri="{386F3935-93C4-4BCD-93E2-E3B085C9AB24}">
+                <p16:designElem xmlns:p16="http://schemas.microsoft.com/office/powerpoint/2015/main" val="1"/>
+              </p:ext>
+            </p:extLst>
+          </p:nvPr>
+        </p:nvSpPr>
+        <p:spPr>
+          <a:xfrm>
+            <a:off x="0" y="0"/>
+            <a:ext cx="12188952" cy="6858000"/>
+          </a:xfrm>
+          <a:prstGeom prst="rect">
+            <a:avLst/>
+          </a:prstGeom>
+          <a:ln>
+            <a:noFill/>
+          </a:ln>
+        </p:spPr>
+        <p:style>
+          <a:lnRef idx="2">
+            <a:schemeClr val="accent1">
+              <a:shade val="50000"/>
+            </a:schemeClr>
+          </a:lnRef>
+          <a:fillRef idx="1">
+            <a:schemeClr val="accent1"/>
+          </a:fillRef>
+          <a:effectRef idx="0">
+            <a:schemeClr val="accent1"/>
+          </a:effectRef>
+          <a:fontRef idx="minor">
+            <a:schemeClr val="lt1"/>
+          </a:fontRef>
+        </p:style>
+        <p:txBody>
+          <a:bodyPr rtlCol="0" anchor="ctr"/>
+          <a:lstStyle/>
+          <a:p>
+            <a:pPr algn="ctr"/>
+            <a:endParaRPr lang="en-US"/>
+          </a:p>
+        </p:txBody>
+      </p:sp>
+      <p:pic>
+        <p:nvPicPr>
+          <p:cNvPr id="4" name="Picture 3">
+            <a:extLst>
+              <a:ext uri="{FF2B5EF4-FFF2-40B4-BE49-F238E27FC236}">
+                <a16:creationId xmlns:a16="http://schemas.microsoft.com/office/drawing/2014/main" id="{73312D7D-83ED-420B-A734-5E182084ECDA}"/>
+              </a:ext>
+            </a:extLst>
+          </p:cNvPr>
+          <p:cNvPicPr>
+            <a:picLocks noChangeAspect="1"/>
+          </p:cNvPicPr>
+          <p:nvPr/>
+        </p:nvPicPr>
+        <p:blipFill rotWithShape="1">
+          <a:blip r:embed="rId2"/>
+          <a:srcRect t="2866" b="22134"/>
+          <a:stretch/>
+        </p:blipFill>
+        <p:spPr>
+          <a:xfrm>
+            <a:off x="20" y="10"/>
+            <a:ext cx="12191980" cy="6857990"/>
+          </a:xfrm>
+          <a:prstGeom prst="rect">
+            <a:avLst/>
+          </a:prstGeom>
+        </p:spPr>
+      </p:pic>
+      <p:sp>
+        <p:nvSpPr>
+          <p:cNvPr id="11" name="Freeform: Shape 10">
+            <a:extLst>
+              <a:ext uri="{FF2B5EF4-FFF2-40B4-BE49-F238E27FC236}">
+                <a16:creationId xmlns:a16="http://schemas.microsoft.com/office/drawing/2014/main" id="{284C940E-7A1D-418E-A9E8-C9852CA8EE57}"/>
+              </a:ext>
+              <a:ext uri="{C183D7F6-B498-43B3-948B-1728B52AA6E4}">
+                <adec:decorative xmlns:adec="http://schemas.microsoft.com/office/drawing/2017/decorative" val="1"/>
+              </a:ext>
+            </a:extLst>
+          </p:cNvPr>
+          <p:cNvSpPr>
+            <a:spLocks noGrp="1" noRot="1" noChangeAspect="1" noMove="1" noResize="1" noEditPoints="1" noAdjustHandles="1" noChangeArrowheads="1" noChangeShapeType="1" noTextEdit="1"/>
+          </p:cNvSpPr>
+          <p:nvPr>
+            <p:extLst>
+              <p:ext uri="{386F3935-93C4-4BCD-93E2-E3B085C9AB24}">
+                <p16:designElem xmlns:p16="http://schemas.microsoft.com/office/powerpoint/2015/main" val="1"/>
+              </p:ext>
+            </p:extLst>
+          </p:nvPr>
+        </p:nvSpPr>
+        <p:spPr>
+          <a:xfrm>
+            <a:off x="5881255" y="2996261"/>
+            <a:ext cx="6310745" cy="3861739"/>
+          </a:xfrm>
+          <a:custGeom>
+            <a:avLst/>
+            <a:gdLst>
+              <a:gd name="connsiteX0" fmla="*/ 5172027 w 6310745"/>
+              <a:gd name="connsiteY0" fmla="*/ 351902 h 3861739"/>
+              <a:gd name="connsiteX1" fmla="*/ 5173047 w 6310745"/>
+              <a:gd name="connsiteY1" fmla="*/ 352987 h 3861739"/>
+              <a:gd name="connsiteX2" fmla="*/ 5177471 w 6310745"/>
+              <a:gd name="connsiteY2" fmla="*/ 352581 h 3861739"/>
+              <a:gd name="connsiteX3" fmla="*/ 2969865 w 6310745"/>
+              <a:gd name="connsiteY3" fmla="*/ 91462 h 3861739"/>
+              <a:gd name="connsiteX4" fmla="*/ 2918830 w 6310745"/>
+              <a:gd name="connsiteY4" fmla="*/ 95401 h 3861739"/>
+              <a:gd name="connsiteX5" fmla="*/ 1957331 w 6310745"/>
+              <a:gd name="connsiteY5" fmla="*/ 323658 h 3861739"/>
+              <a:gd name="connsiteX6" fmla="*/ 413011 w 6310745"/>
+              <a:gd name="connsiteY6" fmla="*/ 1429370 h 3861739"/>
+              <a:gd name="connsiteX7" fmla="*/ 88087 w 6310745"/>
+              <a:gd name="connsiteY7" fmla="*/ 2204577 h 3861739"/>
+              <a:gd name="connsiteX8" fmla="*/ 109862 w 6310745"/>
+              <a:gd name="connsiteY8" fmla="*/ 2159496 h 3861739"/>
+              <a:gd name="connsiteX9" fmla="*/ 566286 w 6310745"/>
+              <a:gd name="connsiteY9" fmla="*/ 1369352 h 3861739"/>
+              <a:gd name="connsiteX10" fmla="*/ 1648059 w 6310745"/>
+              <a:gd name="connsiteY10" fmla="*/ 484837 h 3861739"/>
+              <a:gd name="connsiteX11" fmla="*/ 2969865 w 6310745"/>
+              <a:gd name="connsiteY11" fmla="*/ 91462 h 3861739"/>
+              <a:gd name="connsiteX12" fmla="*/ 3495357 w 6310745"/>
+              <a:gd name="connsiteY12" fmla="*/ 893 h 3861739"/>
+              <a:gd name="connsiteX13" fmla="*/ 3941913 w 6310745"/>
+              <a:gd name="connsiteY13" fmla="*/ 37963 h 3861739"/>
+              <a:gd name="connsiteX14" fmla="*/ 5299614 w 6310745"/>
+              <a:gd name="connsiteY14" fmla="*/ 324201 h 3861739"/>
+              <a:gd name="connsiteX15" fmla="*/ 6213700 w 6310745"/>
+              <a:gd name="connsiteY15" fmla="*/ 666307 h 3861739"/>
+              <a:gd name="connsiteX16" fmla="*/ 6310745 w 6310745"/>
+              <a:gd name="connsiteY16" fmla="*/ 718092 h 3861739"/>
+              <a:gd name="connsiteX17" fmla="*/ 6310745 w 6310745"/>
+              <a:gd name="connsiteY17" fmla="*/ 786964 h 3861739"/>
+              <a:gd name="connsiteX18" fmla="*/ 6223734 w 6310745"/>
+              <a:gd name="connsiteY18" fmla="*/ 739515 h 3861739"/>
+              <a:gd name="connsiteX19" fmla="*/ 5436559 w 6310745"/>
+              <a:gd name="connsiteY19" fmla="*/ 427942 h 3861739"/>
+              <a:gd name="connsiteX20" fmla="*/ 5314925 w 6310745"/>
+              <a:gd name="connsiteY20" fmla="*/ 390465 h 3861739"/>
+              <a:gd name="connsiteX21" fmla="*/ 5198564 w 6310745"/>
+              <a:gd name="connsiteY21" fmla="*/ 357468 h 3861739"/>
+              <a:gd name="connsiteX22" fmla="*/ 5826636 w 6310745"/>
+              <a:gd name="connsiteY22" fmla="*/ 619266 h 3861739"/>
+              <a:gd name="connsiteX23" fmla="*/ 6125359 w 6310745"/>
+              <a:gd name="connsiteY23" fmla="*/ 778370 h 3861739"/>
+              <a:gd name="connsiteX24" fmla="*/ 6310745 w 6310745"/>
+              <a:gd name="connsiteY24" fmla="*/ 896973 h 3861739"/>
+              <a:gd name="connsiteX25" fmla="*/ 6310745 w 6310745"/>
+              <a:gd name="connsiteY25" fmla="*/ 3861739 h 3861739"/>
+              <a:gd name="connsiteX26" fmla="*/ 974639 w 6310745"/>
+              <a:gd name="connsiteY26" fmla="*/ 3861739 h 3861739"/>
+              <a:gd name="connsiteX27" fmla="*/ 719986 w 6310745"/>
+              <a:gd name="connsiteY27" fmla="*/ 3659957 h 3861739"/>
+              <a:gd name="connsiteX28" fmla="*/ 299202 w 6310745"/>
+              <a:gd name="connsiteY28" fmla="*/ 3177626 h 3861739"/>
+              <a:gd name="connsiteX29" fmla="*/ 52873 w 6310745"/>
+              <a:gd name="connsiteY29" fmla="*/ 2564820 h 3861739"/>
+              <a:gd name="connsiteX30" fmla="*/ 21743 w 6310745"/>
+              <a:gd name="connsiteY30" fmla="*/ 2457276 h 3861739"/>
+              <a:gd name="connsiteX31" fmla="*/ 15788 w 6310745"/>
+              <a:gd name="connsiteY31" fmla="*/ 2193035 h 3861739"/>
+              <a:gd name="connsiteX32" fmla="*/ 1087523 w 6310745"/>
+              <a:gd name="connsiteY32" fmla="*/ 695306 h 3861739"/>
+              <a:gd name="connsiteX33" fmla="*/ 2765215 w 6310745"/>
+              <a:gd name="connsiteY33" fmla="*/ 56158 h 3861739"/>
+              <a:gd name="connsiteX34" fmla="*/ 3120078 w 6310745"/>
+              <a:gd name="connsiteY34" fmla="*/ 15422 h 3861739"/>
+              <a:gd name="connsiteX35" fmla="*/ 3495357 w 6310745"/>
+              <a:gd name="connsiteY35" fmla="*/ 893 h 3861739"/>
+            </a:gdLst>
+            <a:ahLst/>
+            <a:cxnLst>
+              <a:cxn ang="0">
+                <a:pos x="connsiteX0" y="connsiteY0"/>
+              </a:cxn>
+              <a:cxn ang="0">
+                <a:pos x="connsiteX1" y="connsiteY1"/>
+              </a:cxn>
+              <a:cxn ang="0">
+                <a:pos x="connsiteX2" y="connsiteY2"/>
+              </a:cxn>
+              <a:cxn ang="0">
+                <a:pos x="connsiteX3" y="connsiteY3"/>
+              </a:cxn>
+              <a:cxn ang="0">
+                <a:pos x="connsiteX4" y="connsiteY4"/>
+              </a:cxn>
+              <a:cxn ang="0">
+                <a:pos x="connsiteX5" y="connsiteY5"/>
+              </a:cxn>
+              <a:cxn ang="0">
+                <a:pos x="connsiteX6" y="connsiteY6"/>
+              </a:cxn>
+              <a:cxn ang="0">
+                <a:pos x="connsiteX7" y="connsiteY7"/>
+              </a:cxn>
+              <a:cxn ang="0">
+                <a:pos x="connsiteX8" y="connsiteY8"/>
+              </a:cxn>
+              <a:cxn ang="0">
+                <a:pos x="connsiteX9" y="connsiteY9"/>
+              </a:cxn>
+              <a:cxn ang="0">
+                <a:pos x="connsiteX10" y="connsiteY10"/>
+              </a:cxn>
+              <a:cxn ang="0">
+                <a:pos x="connsiteX11" y="connsiteY11"/>
+              </a:cxn>
+              <a:cxn ang="0">
+                <a:pos x="connsiteX12" y="connsiteY12"/>
+              </a:cxn>
+              <a:cxn ang="0">
+                <a:pos x="connsiteX13" y="connsiteY13"/>
+              </a:cxn>
+              <a:cxn ang="0">
+                <a:pos x="connsiteX14" y="connsiteY14"/>
+              </a:cxn>
+              <a:cxn ang="0">
+                <a:pos x="connsiteX15" y="connsiteY15"/>
+              </a:cxn>
+              <a:cxn ang="0">
+                <a:pos x="connsiteX16" y="connsiteY16"/>
+              </a:cxn>
+              <a:cxn ang="0">
+                <a:pos x="connsiteX17" y="connsiteY17"/>
+              </a:cxn>
+              <a:cxn ang="0">
+                <a:pos x="connsiteX18" y="connsiteY18"/>
+              </a:cxn>
+              <a:cxn ang="0">
+                <a:pos x="connsiteX19" y="connsiteY19"/>
+              </a:cxn>
+              <a:cxn ang="0">
+                <a:pos x="connsiteX20" y="connsiteY20"/>
+              </a:cxn>
+              <a:cxn ang="0">
+                <a:pos x="connsiteX21" y="connsiteY21"/>
+              </a:cxn>
+              <a:cxn ang="0">
+                <a:pos x="connsiteX22" y="connsiteY22"/>
+              </a:cxn>
+              <a:cxn ang="0">
+                <a:pos x="connsiteX23" y="connsiteY23"/>
+              </a:cxn>
+              <a:cxn ang="0">
+                <a:pos x="connsiteX24" y="connsiteY24"/>
+              </a:cxn>
+              <a:cxn ang="0">
+                <a:pos x="connsiteX25" y="connsiteY25"/>
+              </a:cxn>
+              <a:cxn ang="0">
+                <a:pos x="connsiteX26" y="connsiteY26"/>
+              </a:cxn>
+              <a:cxn ang="0">
+                <a:pos x="connsiteX27" y="connsiteY27"/>
+              </a:cxn>
+              <a:cxn ang="0">
+                <a:pos x="connsiteX28" y="connsiteY28"/>
+              </a:cxn>
+              <a:cxn ang="0">
+                <a:pos x="connsiteX29" y="connsiteY29"/>
+              </a:cxn>
+              <a:cxn ang="0">
+                <a:pos x="connsiteX30" y="connsiteY30"/>
+              </a:cxn>
+              <a:cxn ang="0">
+                <a:pos x="connsiteX31" y="connsiteY31"/>
+              </a:cxn>
+              <a:cxn ang="0">
+                <a:pos x="connsiteX32" y="connsiteY32"/>
+              </a:cxn>
+              <a:cxn ang="0">
+                <a:pos x="connsiteX33" y="connsiteY33"/>
+              </a:cxn>
+              <a:cxn ang="0">
+                <a:pos x="connsiteX34" y="connsiteY34"/>
+              </a:cxn>
+              <a:cxn ang="0">
+                <a:pos x="connsiteX35" y="connsiteY35"/>
+              </a:cxn>
+            </a:cxnLst>
+            <a:rect l="l" t="t" r="r" b="b"/>
+            <a:pathLst>
+              <a:path w="6310745" h="3861739">
+                <a:moveTo>
+                  <a:pt x="5172027" y="351902"/>
+                </a:moveTo>
+                <a:cubicBezTo>
+                  <a:pt x="5172027" y="351902"/>
+                  <a:pt x="5172027" y="352852"/>
+                  <a:pt x="5173047" y="352987"/>
+                </a:cubicBezTo>
+                <a:lnTo>
+                  <a:pt x="5177471" y="352581"/>
+                </a:lnTo>
+                <a:close/>
+                <a:moveTo>
+                  <a:pt x="2969865" y="91462"/>
+                </a:moveTo>
+                <a:cubicBezTo>
+                  <a:pt x="2952701" y="89711"/>
+                  <a:pt x="2935264" y="91055"/>
+                  <a:pt x="2918830" y="95401"/>
+                </a:cubicBezTo>
+                <a:cubicBezTo>
+                  <a:pt x="2586081" y="133611"/>
+                  <a:pt x="2262146" y="210506"/>
+                  <a:pt x="1957331" y="323658"/>
+                </a:cubicBezTo>
+                <a:cubicBezTo>
+                  <a:pt x="1300170" y="565494"/>
+                  <a:pt x="773488" y="924243"/>
+                  <a:pt x="413011" y="1429370"/>
+                </a:cubicBezTo>
+                <a:cubicBezTo>
+                  <a:pt x="241125" y="1667934"/>
+                  <a:pt x="130650" y="1931482"/>
+                  <a:pt x="88087" y="2204577"/>
+                </a:cubicBezTo>
+                <a:cubicBezTo>
+                  <a:pt x="96253" y="2189777"/>
+                  <a:pt x="103398" y="2174704"/>
+                  <a:pt x="109862" y="2159496"/>
+                </a:cubicBezTo>
+                <a:cubicBezTo>
+                  <a:pt x="227584" y="1883441"/>
+                  <a:pt x="374053" y="1617978"/>
+                  <a:pt x="566286" y="1369352"/>
+                </a:cubicBezTo>
+                <a:cubicBezTo>
+                  <a:pt x="843916" y="1009789"/>
+                  <a:pt x="1197929" y="710108"/>
+                  <a:pt x="1648059" y="484837"/>
+                </a:cubicBezTo>
+                <a:cubicBezTo>
+                  <a:pt x="2053957" y="281700"/>
+                  <a:pt x="2497621" y="159899"/>
+                  <a:pt x="2969865" y="91462"/>
+                </a:cubicBezTo>
+                <a:close/>
+                <a:moveTo>
+                  <a:pt x="3495357" y="893"/>
+                </a:moveTo>
+                <a:cubicBezTo>
+                  <a:pt x="3633661" y="-4539"/>
+                  <a:pt x="3787957" y="15693"/>
+                  <a:pt x="3941913" y="37963"/>
+                </a:cubicBezTo>
+                <a:cubicBezTo>
+                  <a:pt x="4403949" y="104770"/>
+                  <a:pt x="4858161" y="195339"/>
+                  <a:pt x="5299614" y="324201"/>
+                </a:cubicBezTo>
+                <a:cubicBezTo>
+                  <a:pt x="5617945" y="417079"/>
+                  <a:pt x="5925559" y="526685"/>
+                  <a:pt x="6213700" y="666307"/>
+                </a:cubicBezTo>
+                <a:lnTo>
+                  <a:pt x="6310745" y="718092"/>
+                </a:lnTo>
+                <a:lnTo>
+                  <a:pt x="6310745" y="786964"/>
+                </a:lnTo>
+                <a:lnTo>
+                  <a:pt x="6223734" y="739515"/>
+                </a:lnTo>
+                <a:cubicBezTo>
+                  <a:pt x="5975170" y="615379"/>
+                  <a:pt x="5710361" y="515015"/>
+                  <a:pt x="5436559" y="427942"/>
+                </a:cubicBezTo>
+                <a:cubicBezTo>
+                  <a:pt x="5396292" y="415002"/>
+                  <a:pt x="5355753" y="402509"/>
+                  <a:pt x="5314925" y="390465"/>
+                </a:cubicBezTo>
+                <a:cubicBezTo>
+                  <a:pt x="5276307" y="379059"/>
+                  <a:pt x="5237351" y="368468"/>
+                  <a:pt x="5198564" y="357468"/>
+                </a:cubicBezTo>
+                <a:cubicBezTo>
+                  <a:pt x="5414393" y="434473"/>
+                  <a:pt x="5624129" y="521907"/>
+                  <a:pt x="5826636" y="619266"/>
+                </a:cubicBezTo>
+                <a:cubicBezTo>
+                  <a:pt x="5929344" y="669507"/>
+                  <a:pt x="6029097" y="722388"/>
+                  <a:pt x="6125359" y="778370"/>
+                </a:cubicBezTo>
+                <a:lnTo>
+                  <a:pt x="6310745" y="896973"/>
+                </a:lnTo>
+                <a:lnTo>
+                  <a:pt x="6310745" y="3861739"/>
+                </a:lnTo>
+                <a:lnTo>
+                  <a:pt x="974639" y="3861739"/>
+                </a:lnTo>
+                <a:lnTo>
+                  <a:pt x="719986" y="3659957"/>
+                </a:lnTo>
+                <a:cubicBezTo>
+                  <a:pt x="556844" y="3515259"/>
+                  <a:pt x="415052" y="3355506"/>
+                  <a:pt x="299202" y="3177626"/>
+                </a:cubicBezTo>
+                <a:cubicBezTo>
+                  <a:pt x="173197" y="2986301"/>
+                  <a:pt x="89840" y="2778941"/>
+                  <a:pt x="52873" y="2564820"/>
+                </a:cubicBezTo>
+                <a:cubicBezTo>
+                  <a:pt x="46170" y="2528361"/>
+                  <a:pt x="35760" y="2492390"/>
+                  <a:pt x="21743" y="2457276"/>
+                </a:cubicBezTo>
+                <a:cubicBezTo>
+                  <a:pt x="-12282" y="2369287"/>
+                  <a:pt x="-34" y="2280753"/>
+                  <a:pt x="15788" y="2193035"/>
+                </a:cubicBezTo>
+                <a:cubicBezTo>
+                  <a:pt x="125343" y="1581179"/>
+                  <a:pt x="505554" y="1091397"/>
+                  <a:pt x="1087523" y="695306"/>
+                </a:cubicBezTo>
+                <a:cubicBezTo>
+                  <a:pt x="1574397" y="363308"/>
+                  <a:pt x="2138335" y="155961"/>
+                  <a:pt x="2765215" y="56158"/>
+                </a:cubicBezTo>
+                <a:cubicBezTo>
+                  <a:pt x="2882595" y="37419"/>
+                  <a:pt x="3000997" y="24655"/>
+                  <a:pt x="3120078" y="15422"/>
+                </a:cubicBezTo>
+                <a:cubicBezTo>
+                  <a:pt x="3239161" y="6188"/>
+                  <a:pt x="3356711" y="2250"/>
+                  <a:pt x="3495357" y="893"/>
+                </a:cubicBezTo>
+                <a:close/>
+              </a:path>
+            </a:pathLst>
+          </a:custGeom>
+          <a:solidFill>
+            <a:srgbClr val="C696A8">
+              <a:alpha val="91000"/>
+            </a:srgbClr>
+          </a:solidFill>
+          <a:ln w="12700" cap="flat">
+            <a:noFill/>
+            <a:prstDash val="solid"/>
+            <a:miter/>
+          </a:ln>
+        </p:spPr>
+        <p:txBody>
+          <a:bodyPr wrap="square" rtlCol="0" anchor="ctr">
+            <a:noAutofit/>
+          </a:bodyPr>
+          <a:lstStyle/>
+          <a:p>
+            <a:endParaRPr lang="en-US"/>
+          </a:p>
+        </p:txBody>
+      </p:sp>
+      <p:sp>
+        <p:nvSpPr>
+          <p:cNvPr id="2" name="Titel 1">
+            <a:extLst>
+              <a:ext uri="{FF2B5EF4-FFF2-40B4-BE49-F238E27FC236}">
+                <a16:creationId xmlns:a16="http://schemas.microsoft.com/office/drawing/2014/main" id="{F1C8765D-0F49-4428-9EE1-C1B5639E8DA5}"/>
+              </a:ext>
+            </a:extLst>
+          </p:cNvPr>
+          <p:cNvSpPr>
+            <a:spLocks noGrp="1"/>
+          </p:cNvSpPr>
+          <p:nvPr>
+            <p:ph type="ctrTitle"/>
+          </p:nvPr>
+        </p:nvSpPr>
+        <p:spPr>
+          <a:xfrm>
+            <a:off x="7004878" y="3732208"/>
+            <a:ext cx="4574851" cy="1390218"/>
+          </a:xfrm>
+        </p:spPr>
+        <p:txBody>
+          <a:bodyPr anchor="b">
+            <a:normAutofit/>
+          </a:bodyPr>
+          <a:lstStyle/>
+          <a:p>
+            <a:pPr algn="ctr"/>
+            <a:r>
+              <a:rPr lang="de-DE" sz="5200" dirty="0">
+                <a:solidFill>
+                  <a:schemeClr val="bg1"/>
+                </a:solidFill>
+              </a:rPr>
+              <a:t>Technik</a:t>
+            </a:r>
+          </a:p>
+        </p:txBody>
+      </p:sp>
+      <p:sp>
+        <p:nvSpPr>
+          <p:cNvPr id="13" name="Rectangle 6">
+            <a:extLst>
+              <a:ext uri="{FF2B5EF4-FFF2-40B4-BE49-F238E27FC236}">
+                <a16:creationId xmlns:a16="http://schemas.microsoft.com/office/drawing/2014/main" id="{72E0F698-EDF5-464C-B466-8D34B8AF17C7}"/>
+              </a:ext>
+              <a:ext uri="{C183D7F6-B498-43B3-948B-1728B52AA6E4}">
+                <adec:decorative xmlns:adec="http://schemas.microsoft.com/office/drawing/2017/decorative" val="1"/>
+              </a:ext>
+            </a:extLst>
+          </p:cNvPr>
+          <p:cNvSpPr>
+            <a:spLocks noGrp="1" noRot="1" noChangeAspect="1" noMove="1" noResize="1" noEditPoints="1" noAdjustHandles="1" noChangeArrowheads="1" noChangeShapeType="1" noTextEdit="1"/>
+          </p:cNvSpPr>
+          <p:nvPr>
+            <p:extLst>
+              <p:ext uri="{386F3935-93C4-4BCD-93E2-E3B085C9AB24}">
+                <p16:designElem xmlns:p16="http://schemas.microsoft.com/office/powerpoint/2015/main" val="1"/>
+              </p:ext>
+            </p:extLst>
+          </p:nvPr>
+        </p:nvSpPr>
+        <p:spPr>
+          <a:xfrm>
+            <a:off x="7289179" y="5344820"/>
+            <a:ext cx="3994793" cy="27432"/>
+          </a:xfrm>
+          <a:custGeom>
+            <a:avLst/>
+            <a:gdLst>
+              <a:gd name="connsiteX0" fmla="*/ 0 w 3994793"/>
+              <a:gd name="connsiteY0" fmla="*/ 0 h 27432"/>
+              <a:gd name="connsiteX1" fmla="*/ 745695 w 3994793"/>
+              <a:gd name="connsiteY1" fmla="*/ 0 h 27432"/>
+              <a:gd name="connsiteX2" fmla="*/ 1451441 w 3994793"/>
+              <a:gd name="connsiteY2" fmla="*/ 0 h 27432"/>
+              <a:gd name="connsiteX3" fmla="*/ 2157188 w 3994793"/>
+              <a:gd name="connsiteY3" fmla="*/ 0 h 27432"/>
+              <a:gd name="connsiteX4" fmla="*/ 2703143 w 3994793"/>
+              <a:gd name="connsiteY4" fmla="*/ 0 h 27432"/>
+              <a:gd name="connsiteX5" fmla="*/ 3289046 w 3994793"/>
+              <a:gd name="connsiteY5" fmla="*/ 0 h 27432"/>
+              <a:gd name="connsiteX6" fmla="*/ 3994793 w 3994793"/>
+              <a:gd name="connsiteY6" fmla="*/ 0 h 27432"/>
+              <a:gd name="connsiteX7" fmla="*/ 3994793 w 3994793"/>
+              <a:gd name="connsiteY7" fmla="*/ 27432 h 27432"/>
+              <a:gd name="connsiteX8" fmla="*/ 3328994 w 3994793"/>
+              <a:gd name="connsiteY8" fmla="*/ 27432 h 27432"/>
+              <a:gd name="connsiteX9" fmla="*/ 2783039 w 3994793"/>
+              <a:gd name="connsiteY9" fmla="*/ 27432 h 27432"/>
+              <a:gd name="connsiteX10" fmla="*/ 2237084 w 3994793"/>
+              <a:gd name="connsiteY10" fmla="*/ 27432 h 27432"/>
+              <a:gd name="connsiteX11" fmla="*/ 1531337 w 3994793"/>
+              <a:gd name="connsiteY11" fmla="*/ 27432 h 27432"/>
+              <a:gd name="connsiteX12" fmla="*/ 945434 w 3994793"/>
+              <a:gd name="connsiteY12" fmla="*/ 27432 h 27432"/>
+              <a:gd name="connsiteX13" fmla="*/ 0 w 3994793"/>
+              <a:gd name="connsiteY13" fmla="*/ 27432 h 27432"/>
+              <a:gd name="connsiteX14" fmla="*/ 0 w 3994793"/>
+              <a:gd name="connsiteY14" fmla="*/ 0 h 27432"/>
+            </a:gdLst>
+            <a:ahLst/>
+            <a:cxnLst>
+              <a:cxn ang="0">
+                <a:pos x="connsiteX0" y="connsiteY0"/>
+              </a:cxn>
+              <a:cxn ang="0">
+                <a:pos x="connsiteX1" y="connsiteY1"/>
+              </a:cxn>
+              <a:cxn ang="0">
+                <a:pos x="connsiteX2" y="connsiteY2"/>
+              </a:cxn>
+              <a:cxn ang="0">
+                <a:pos x="connsiteX3" y="connsiteY3"/>
+              </a:cxn>
+              <a:cxn ang="0">
+                <a:pos x="connsiteX4" y="connsiteY4"/>
+              </a:cxn>
+              <a:cxn ang="0">
+                <a:pos x="connsiteX5" y="connsiteY5"/>
+              </a:cxn>
+              <a:cxn ang="0">
+                <a:pos x="connsiteX6" y="connsiteY6"/>
+              </a:cxn>
+              <a:cxn ang="0">
+                <a:pos x="connsiteX7" y="connsiteY7"/>
+              </a:cxn>
+              <a:cxn ang="0">
+                <a:pos x="connsiteX8" y="connsiteY8"/>
+              </a:cxn>
+              <a:cxn ang="0">
+                <a:pos x="connsiteX9" y="connsiteY9"/>
+              </a:cxn>
+              <a:cxn ang="0">
+                <a:pos x="connsiteX10" y="connsiteY10"/>
+              </a:cxn>
+              <a:cxn ang="0">
+                <a:pos x="connsiteX11" y="connsiteY11"/>
+              </a:cxn>
+              <a:cxn ang="0">
+                <a:pos x="connsiteX12" y="connsiteY12"/>
+              </a:cxn>
+              <a:cxn ang="0">
+                <a:pos x="connsiteX13" y="connsiteY13"/>
+              </a:cxn>
+              <a:cxn ang="0">
+                <a:pos x="connsiteX14" y="connsiteY14"/>
+              </a:cxn>
+            </a:cxnLst>
+            <a:rect l="l" t="t" r="r" b="b"/>
+            <a:pathLst>
+              <a:path w="3994793" h="27432" fill="none" extrusionOk="0">
+                <a:moveTo>
+                  <a:pt x="0" y="0"/>
+                </a:moveTo>
+                <a:cubicBezTo>
+                  <a:pt x="285474" y="-22732"/>
+                  <a:pt x="421546" y="-1893"/>
+                  <a:pt x="745695" y="0"/>
+                </a:cubicBezTo>
+                <a:cubicBezTo>
+                  <a:pt x="1069844" y="1893"/>
+                  <a:pt x="1267051" y="4066"/>
+                  <a:pt x="1451441" y="0"/>
+                </a:cubicBezTo>
+                <a:cubicBezTo>
+                  <a:pt x="1635831" y="-4066"/>
+                  <a:pt x="1865269" y="3287"/>
+                  <a:pt x="2157188" y="0"/>
+                </a:cubicBezTo>
+                <a:cubicBezTo>
+                  <a:pt x="2449107" y="-3287"/>
+                  <a:pt x="2473776" y="-12720"/>
+                  <a:pt x="2703143" y="0"/>
+                </a:cubicBezTo>
+                <a:cubicBezTo>
+                  <a:pt x="2932510" y="12720"/>
+                  <a:pt x="3023998" y="17286"/>
+                  <a:pt x="3289046" y="0"/>
+                </a:cubicBezTo>
+                <a:cubicBezTo>
+                  <a:pt x="3554094" y="-17286"/>
+                  <a:pt x="3836668" y="10296"/>
+                  <a:pt x="3994793" y="0"/>
+                </a:cubicBezTo>
+                <a:cubicBezTo>
+                  <a:pt x="3993836" y="8431"/>
+                  <a:pt x="3994444" y="14612"/>
+                  <a:pt x="3994793" y="27432"/>
+                </a:cubicBezTo>
+                <a:cubicBezTo>
+                  <a:pt x="3751330" y="45147"/>
+                  <a:pt x="3618521" y="7232"/>
+                  <a:pt x="3328994" y="27432"/>
+                </a:cubicBezTo>
+                <a:cubicBezTo>
+                  <a:pt x="3039467" y="47632"/>
+                  <a:pt x="2908653" y="25202"/>
+                  <a:pt x="2783039" y="27432"/>
+                </a:cubicBezTo>
+                <a:cubicBezTo>
+                  <a:pt x="2657426" y="29662"/>
+                  <a:pt x="2373985" y="40038"/>
+                  <a:pt x="2237084" y="27432"/>
+                </a:cubicBezTo>
+                <a:cubicBezTo>
+                  <a:pt x="2100183" y="14826"/>
+                  <a:pt x="1862145" y="31781"/>
+                  <a:pt x="1531337" y="27432"/>
+                </a:cubicBezTo>
+                <a:cubicBezTo>
+                  <a:pt x="1200529" y="23083"/>
+                  <a:pt x="1153029" y="12124"/>
+                  <a:pt x="945434" y="27432"/>
+                </a:cubicBezTo>
+                <a:cubicBezTo>
+                  <a:pt x="737839" y="42740"/>
+                  <a:pt x="371500" y="-18970"/>
+                  <a:pt x="0" y="27432"/>
+                </a:cubicBezTo>
+                <a:cubicBezTo>
+                  <a:pt x="226" y="18208"/>
+                  <a:pt x="-648" y="12891"/>
+                  <a:pt x="0" y="0"/>
+                </a:cubicBezTo>
+                <a:close/>
+              </a:path>
+              <a:path w="3994793" h="27432" stroke="0" extrusionOk="0">
+                <a:moveTo>
+                  <a:pt x="0" y="0"/>
+                </a:moveTo>
+                <a:cubicBezTo>
+                  <a:pt x="233202" y="14567"/>
+                  <a:pt x="387388" y="28518"/>
+                  <a:pt x="625851" y="0"/>
+                </a:cubicBezTo>
+                <a:cubicBezTo>
+                  <a:pt x="864314" y="-28518"/>
+                  <a:pt x="1027047" y="-26118"/>
+                  <a:pt x="1171806" y="0"/>
+                </a:cubicBezTo>
+                <a:cubicBezTo>
+                  <a:pt x="1316566" y="26118"/>
+                  <a:pt x="1639655" y="-2490"/>
+                  <a:pt x="1917501" y="0"/>
+                </a:cubicBezTo>
+                <a:cubicBezTo>
+                  <a:pt x="2195348" y="2490"/>
+                  <a:pt x="2328758" y="19053"/>
+                  <a:pt x="2543352" y="0"/>
+                </a:cubicBezTo>
+                <a:cubicBezTo>
+                  <a:pt x="2757946" y="-19053"/>
+                  <a:pt x="3028913" y="23876"/>
+                  <a:pt x="3169202" y="0"/>
+                </a:cubicBezTo>
+                <a:cubicBezTo>
+                  <a:pt x="3309491" y="-23876"/>
+                  <a:pt x="3706249" y="-31775"/>
+                  <a:pt x="3994793" y="0"/>
+                </a:cubicBezTo>
+                <a:cubicBezTo>
+                  <a:pt x="3993438" y="9524"/>
+                  <a:pt x="3993591" y="13975"/>
+                  <a:pt x="3994793" y="27432"/>
+                </a:cubicBezTo>
+                <a:cubicBezTo>
+                  <a:pt x="3717302" y="841"/>
+                  <a:pt x="3475105" y="20835"/>
+                  <a:pt x="3328994" y="27432"/>
+                </a:cubicBezTo>
+                <a:cubicBezTo>
+                  <a:pt x="3182883" y="34029"/>
+                  <a:pt x="3048913" y="25304"/>
+                  <a:pt x="2783039" y="27432"/>
+                </a:cubicBezTo>
+                <a:cubicBezTo>
+                  <a:pt x="2517165" y="29560"/>
+                  <a:pt x="2371663" y="19960"/>
+                  <a:pt x="2117240" y="27432"/>
+                </a:cubicBezTo>
+                <a:cubicBezTo>
+                  <a:pt x="1862817" y="34904"/>
+                  <a:pt x="1771642" y="53179"/>
+                  <a:pt x="1451441" y="27432"/>
+                </a:cubicBezTo>
+                <a:cubicBezTo>
+                  <a:pt x="1131240" y="1685"/>
+                  <a:pt x="1013354" y="33667"/>
+                  <a:pt x="825591" y="27432"/>
+                </a:cubicBezTo>
+                <a:cubicBezTo>
+                  <a:pt x="637828" y="21198"/>
+                  <a:pt x="270465" y="28145"/>
+                  <a:pt x="0" y="27432"/>
+                </a:cubicBezTo>
+                <a:cubicBezTo>
+                  <a:pt x="-800" y="16780"/>
+                  <a:pt x="-583" y="12910"/>
+                  <a:pt x="0" y="0"/>
+                </a:cubicBezTo>
+                <a:close/>
+              </a:path>
+            </a:pathLst>
+          </a:custGeom>
+          <a:solidFill>
+            <a:schemeClr val="bg1"/>
+          </a:solidFill>
+          <a:ln w="38100" cap="rnd">
+            <a:solidFill>
+              <a:schemeClr val="bg1"/>
+            </a:solidFill>
+            <a:round/>
+            <a:extLst>
+              <a:ext uri="{C807C97D-BFC1-408E-A445-0C87EB9F89A2}">
+                <ask:lineSketchStyleProps xmlns:ask="http://schemas.microsoft.com/office/drawing/2018/sketchyshapes" sd="1219033472">
+                  <a:prstGeom prst="rect">
+                    <a:avLst/>
+                  </a:prstGeom>
+                  <ask:type>
+                    <ask:lineSketchFreehand/>
+                  </ask:type>
+                </ask:lineSketchStyleProps>
+              </a:ext>
+            </a:extLst>
+          </a:ln>
+        </p:spPr>
+        <p:style>
+          <a:lnRef idx="2">
+            <a:schemeClr val="accent1">
+              <a:shade val="50000"/>
+            </a:schemeClr>
+          </a:lnRef>
+          <a:fillRef idx="1">
+            <a:schemeClr val="accent1"/>
+          </a:fillRef>
+          <a:effectRef idx="0">
+            <a:schemeClr val="accent1"/>
+          </a:effectRef>
+          <a:fontRef idx="minor">
+            <a:schemeClr val="lt1"/>
+          </a:fontRef>
+        </p:style>
+        <p:txBody>
+          <a:bodyPr rtlCol="0" anchor="ctr"/>
+          <a:lstStyle/>
+          <a:p>
+            <a:pPr algn="ctr"/>
+            <a:endParaRPr lang="en-US"/>
+          </a:p>
+        </p:txBody>
+      </p:sp>
+    </p:spTree>
+    <p:extLst>
+      <p:ext uri="{BB962C8B-B14F-4D97-AF65-F5344CB8AC3E}">
+        <p14:creationId xmlns:p14="http://schemas.microsoft.com/office/powerpoint/2010/main" val="3442496410"/>
+      </p:ext>
+    </p:extLst>
+  </p:cSld>
+  <p:clrMapOvr>
+    <a:masterClrMapping/>
+  </p:clrMapOvr>
+</p:sld>
+</file>
+
+<file path=ppt/slides/slide22.xml><?xml version="1.0" encoding="utf-8"?>
+<p:sld xmlns:a="http://schemas.openxmlformats.org/drawingml/2006/main" xmlns:r="http://schemas.openxmlformats.org/officeDocument/2006/relationships" xmlns:p="http://schemas.openxmlformats.org/presentationml/2006/main">
+  <p:cSld>
+    <p:spTree>
+      <p:nvGrpSpPr>
+        <p:cNvPr id="1" name=""/>
+        <p:cNvGrpSpPr/>
+        <p:nvPr/>
+      </p:nvGrpSpPr>
+      <p:grpSpPr>
+        <a:xfrm>
+          <a:off x="0" y="0"/>
+          <a:ext cx="0" cy="0"/>
+          <a:chOff x="0" y="0"/>
+          <a:chExt cx="0" cy="0"/>
+        </a:xfrm>
+      </p:grpSpPr>
+      <p:pic>
+        <p:nvPicPr>
+          <p:cNvPr id="3" name="Grafik 2" descr="Ein Bild, das Karte enthält.&#10;&#10;Automatisch generierte Beschreibung">
+            <a:extLst>
+              <a:ext uri="{FF2B5EF4-FFF2-40B4-BE49-F238E27FC236}">
+                <a16:creationId xmlns:a16="http://schemas.microsoft.com/office/drawing/2014/main" id="{9C187A8E-F8F7-4EC4-8DF4-CE390F12C509}"/>
+              </a:ext>
+            </a:extLst>
+          </p:cNvPr>
+          <p:cNvPicPr>
+            <a:picLocks noChangeAspect="1"/>
+          </p:cNvPicPr>
+          <p:nvPr/>
+        </p:nvPicPr>
+        <p:blipFill rotWithShape="1">
+          <a:blip r:embed="rId2">
+            <a:extLst>
+              <a:ext uri="{28A0092B-C50C-407E-A947-70E740481C1C}">
+                <a14:useLocalDpi xmlns:a14="http://schemas.microsoft.com/office/drawing/2010/main" val="0"/>
+              </a:ext>
+            </a:extLst>
+          </a:blip>
+          <a:srcRect b="14815"/>
+          <a:stretch/>
+        </p:blipFill>
+        <p:spPr>
+          <a:xfrm>
+            <a:off x="1480926" y="508000"/>
+            <a:ext cx="9230148" cy="5842000"/>
+          </a:xfrm>
+          <a:prstGeom prst="rect">
+            <a:avLst/>
+          </a:prstGeom>
+        </p:spPr>
+      </p:pic>
+    </p:spTree>
+    <p:extLst>
+      <p:ext uri="{BB962C8B-B14F-4D97-AF65-F5344CB8AC3E}">
+        <p14:creationId xmlns:p14="http://schemas.microsoft.com/office/powerpoint/2010/main" val="601441219"/>
+      </p:ext>
+    </p:extLst>
+  </p:cSld>
+  <p:clrMapOvr>
+    <a:masterClrMapping/>
+  </p:clrMapOvr>
+</p:sld>
+</file>
+
+<file path=ppt/slides/slide23.xml><?xml version="1.0" encoding="utf-8"?>
+<p:sld xmlns:a="http://schemas.openxmlformats.org/drawingml/2006/main" xmlns:r="http://schemas.openxmlformats.org/officeDocument/2006/relationships" xmlns:p="http://schemas.openxmlformats.org/presentationml/2006/main">
+  <p:cSld>
+    <p:spTree>
+      <p:nvGrpSpPr>
+        <p:cNvPr id="1" name=""/>
+        <p:cNvGrpSpPr/>
+        <p:nvPr/>
+      </p:nvGrpSpPr>
+      <p:grpSpPr>
+        <a:xfrm>
+          <a:off x="0" y="0"/>
+          <a:ext cx="0" cy="0"/>
+          <a:chOff x="0" y="0"/>
+          <a:chExt cx="0" cy="0"/>
+        </a:xfrm>
+      </p:grpSpPr>
+      <p:pic>
+        <p:nvPicPr>
+          <p:cNvPr id="4" name="Grafik 3" descr="Ein Bild, das Screenshot enthält.&#10;&#10;Automatisch generierte Beschreibung">
+            <a:extLst>
+              <a:ext uri="{FF2B5EF4-FFF2-40B4-BE49-F238E27FC236}">
+                <a16:creationId xmlns:a16="http://schemas.microsoft.com/office/drawing/2014/main" id="{8C598873-EFE2-4A10-AD63-5B2A3FD41439}"/>
+              </a:ext>
+            </a:extLst>
+          </p:cNvPr>
+          <p:cNvPicPr>
+            <a:picLocks noChangeAspect="1"/>
+          </p:cNvPicPr>
+          <p:nvPr/>
+        </p:nvPicPr>
+        <p:blipFill rotWithShape="1">
+          <a:blip r:embed="rId2">
+            <a:extLst>
+              <a:ext uri="{28A0092B-C50C-407E-A947-70E740481C1C}">
+                <a14:useLocalDpi xmlns:a14="http://schemas.microsoft.com/office/drawing/2010/main" val="0"/>
+              </a:ext>
+            </a:extLst>
+          </a:blip>
+          <a:srcRect b="17315"/>
+          <a:stretch/>
+        </p:blipFill>
+        <p:spPr>
+          <a:xfrm>
+            <a:off x="1480926" y="654050"/>
+            <a:ext cx="9230148" cy="5670550"/>
+          </a:xfrm>
+          <a:prstGeom prst="rect">
+            <a:avLst/>
+          </a:prstGeom>
+        </p:spPr>
+      </p:pic>
+    </p:spTree>
+    <p:extLst>
+      <p:ext uri="{BB962C8B-B14F-4D97-AF65-F5344CB8AC3E}">
+        <p14:creationId xmlns:p14="http://schemas.microsoft.com/office/powerpoint/2010/main" val="3025820164"/>
+      </p:ext>
+    </p:extLst>
+  </p:cSld>
+  <p:clrMapOvr>
+    <a:masterClrMapping/>
+  </p:clrMapOvr>
+</p:sld>
+</file>
+
+<file path=ppt/slides/slide24.xml><?xml version="1.0" encoding="utf-8"?>
 <p:sld xmlns:a="http://schemas.openxmlformats.org/drawingml/2006/main" xmlns:r="http://schemas.openxmlformats.org/officeDocument/2006/relationships" xmlns:p="http://schemas.openxmlformats.org/presentationml/2006/main">
   <p:cSld>
     <p:spTree>
